--- a/Projeto SIX MIND/Documentação/User Story - Six Minds.pptx
+++ b/Projeto SIX MIND/Documentação/User Story - Six Minds.pptx
@@ -6,6 +6,7 @@
   </p:sldMasterIdLst>
   <p:sldIdLst>
     <p:sldId id="256" r:id="rId2"/>
+    <p:sldId id="257" r:id="rId3"/>
   </p:sldIdLst>
   <p:sldSz cx="12192000" cy="6858000"/>
   <p:notesSz cx="6858000" cy="9144000"/>
@@ -104,6 +105,11 @@
       </a:defRPr>
     </a:lvl9pPr>
   </p:defaultTextStyle>
+  <p:extLst>
+    <p:ext uri="{EFAFB233-063F-42B5-8137-9DF3F51BA10A}">
+      <p15:sldGuideLst xmlns:p15="http://schemas.microsoft.com/office/powerpoint/2012/main"/>
+    </p:ext>
+  </p:extLst>
 </p:presentation>
 </file>
 
@@ -262,7 +268,7 @@
           <a:p>
             <a:fld id="{D03501A8-2AC6-4575-83BF-B2066DEA3A2F}" type="datetimeFigureOut">
               <a:rPr lang="pt-BR" smtClean="0"/>
-              <a:t>31/08/2020</a:t>
+              <a:t>01/09/2020</a:t>
             </a:fld>
             <a:endParaRPr lang="pt-BR"/>
           </a:p>
@@ -460,7 +466,7 @@
           <a:p>
             <a:fld id="{D03501A8-2AC6-4575-83BF-B2066DEA3A2F}" type="datetimeFigureOut">
               <a:rPr lang="pt-BR" smtClean="0"/>
-              <a:t>31/08/2020</a:t>
+              <a:t>01/09/2020</a:t>
             </a:fld>
             <a:endParaRPr lang="pt-BR"/>
           </a:p>
@@ -668,7 +674,7 @@
           <a:p>
             <a:fld id="{D03501A8-2AC6-4575-83BF-B2066DEA3A2F}" type="datetimeFigureOut">
               <a:rPr lang="pt-BR" smtClean="0"/>
-              <a:t>31/08/2020</a:t>
+              <a:t>01/09/2020</a:t>
             </a:fld>
             <a:endParaRPr lang="pt-BR"/>
           </a:p>
@@ -866,7 +872,7 @@
           <a:p>
             <a:fld id="{D03501A8-2AC6-4575-83BF-B2066DEA3A2F}" type="datetimeFigureOut">
               <a:rPr lang="pt-BR" smtClean="0"/>
-              <a:t>31/08/2020</a:t>
+              <a:t>01/09/2020</a:t>
             </a:fld>
             <a:endParaRPr lang="pt-BR"/>
           </a:p>
@@ -1141,7 +1147,7 @@
           <a:p>
             <a:fld id="{D03501A8-2AC6-4575-83BF-B2066DEA3A2F}" type="datetimeFigureOut">
               <a:rPr lang="pt-BR" smtClean="0"/>
-              <a:t>31/08/2020</a:t>
+              <a:t>01/09/2020</a:t>
             </a:fld>
             <a:endParaRPr lang="pt-BR"/>
           </a:p>
@@ -1406,7 +1412,7 @@
           <a:p>
             <a:fld id="{D03501A8-2AC6-4575-83BF-B2066DEA3A2F}" type="datetimeFigureOut">
               <a:rPr lang="pt-BR" smtClean="0"/>
-              <a:t>31/08/2020</a:t>
+              <a:t>01/09/2020</a:t>
             </a:fld>
             <a:endParaRPr lang="pt-BR"/>
           </a:p>
@@ -1818,7 +1824,7 @@
           <a:p>
             <a:fld id="{D03501A8-2AC6-4575-83BF-B2066DEA3A2F}" type="datetimeFigureOut">
               <a:rPr lang="pt-BR" smtClean="0"/>
-              <a:t>31/08/2020</a:t>
+              <a:t>01/09/2020</a:t>
             </a:fld>
             <a:endParaRPr lang="pt-BR"/>
           </a:p>
@@ -1959,7 +1965,7 @@
           <a:p>
             <a:fld id="{D03501A8-2AC6-4575-83BF-B2066DEA3A2F}" type="datetimeFigureOut">
               <a:rPr lang="pt-BR" smtClean="0"/>
-              <a:t>31/08/2020</a:t>
+              <a:t>01/09/2020</a:t>
             </a:fld>
             <a:endParaRPr lang="pt-BR"/>
           </a:p>
@@ -2072,7 +2078,7 @@
           <a:p>
             <a:fld id="{D03501A8-2AC6-4575-83BF-B2066DEA3A2F}" type="datetimeFigureOut">
               <a:rPr lang="pt-BR" smtClean="0"/>
-              <a:t>31/08/2020</a:t>
+              <a:t>01/09/2020</a:t>
             </a:fld>
             <a:endParaRPr lang="pt-BR"/>
           </a:p>
@@ -2383,7 +2389,7 @@
           <a:p>
             <a:fld id="{D03501A8-2AC6-4575-83BF-B2066DEA3A2F}" type="datetimeFigureOut">
               <a:rPr lang="pt-BR" smtClean="0"/>
-              <a:t>31/08/2020</a:t>
+              <a:t>01/09/2020</a:t>
             </a:fld>
             <a:endParaRPr lang="pt-BR"/>
           </a:p>
@@ -2671,7 +2677,7 @@
           <a:p>
             <a:fld id="{D03501A8-2AC6-4575-83BF-B2066DEA3A2F}" type="datetimeFigureOut">
               <a:rPr lang="pt-BR" smtClean="0"/>
-              <a:t>31/08/2020</a:t>
+              <a:t>01/09/2020</a:t>
             </a:fld>
             <a:endParaRPr lang="pt-BR"/>
           </a:p>
@@ -2912,7 +2918,7 @@
           <a:p>
             <a:fld id="{D03501A8-2AC6-4575-83BF-B2066DEA3A2F}" type="datetimeFigureOut">
               <a:rPr lang="pt-BR" smtClean="0"/>
-              <a:t>31/08/2020</a:t>
+              <a:t>01/09/2020</a:t>
             </a:fld>
             <a:endParaRPr lang="pt-BR"/>
           </a:p>
@@ -3391,7 +3397,15 @@
               <a:pPr algn="ctr"/>
               <a:r>
                 <a:rPr lang="pt-BR" dirty="0"/>
-                <a:t>Eu enquanto usuário quero informações sobre minha safra para tomadas decisões</a:t>
+                <a:t>Eu enquanto usuário quero informações </a:t>
+              </a:r>
+              <a:r>
+                <a:rPr lang="pt-BR" dirty="0" smtClean="0"/>
+                <a:t>gráficas para </a:t>
+              </a:r>
+              <a:r>
+                <a:rPr lang="pt-BR" dirty="0"/>
+                <a:t>tomadas decisões</a:t>
               </a:r>
             </a:p>
           </p:txBody>
@@ -3411,7 +3425,7 @@
             <p:nvPr/>
           </p:nvPicPr>
           <p:blipFill>
-            <a:blip r:embed="rId2">
+            <a:blip r:embed="rId2" cstate="hqprint">
               <a:extLst>
                 <a:ext uri="{28A0092B-C50C-407E-A947-70E740481C1C}">
                   <a14:useLocalDpi xmlns:a14="http://schemas.microsoft.com/office/drawing/2010/main" val="0"/>
@@ -3526,7 +3540,7 @@
             <p:nvPr/>
           </p:nvPicPr>
           <p:blipFill>
-            <a:blip r:embed="rId2">
+            <a:blip r:embed="rId2" cstate="hqprint">
               <a:extLst>
                 <a:ext uri="{28A0092B-C50C-407E-A947-70E740481C1C}">
                   <a14:useLocalDpi xmlns:a14="http://schemas.microsoft.com/office/drawing/2010/main" val="0"/>
@@ -3641,7 +3655,7 @@
             <p:nvPr/>
           </p:nvPicPr>
           <p:blipFill>
-            <a:blip r:embed="rId2">
+            <a:blip r:embed="rId2" cstate="hqprint">
               <a:extLst>
                 <a:ext uri="{28A0092B-C50C-407E-A947-70E740481C1C}">
                   <a14:useLocalDpi xmlns:a14="http://schemas.microsoft.com/office/drawing/2010/main" val="0"/>
@@ -3756,7 +3770,7 @@
             <p:nvPr/>
           </p:nvPicPr>
           <p:blipFill>
-            <a:blip r:embed="rId2">
+            <a:blip r:embed="rId2" cstate="hqprint">
               <a:extLst>
                 <a:ext uri="{28A0092B-C50C-407E-A947-70E740481C1C}">
                   <a14:useLocalDpi xmlns:a14="http://schemas.microsoft.com/office/drawing/2010/main" val="0"/>
@@ -3803,7 +3817,7 @@
         </p:nvGrpSpPr>
         <p:grpSpPr>
           <a:xfrm>
-            <a:off x="1768655" y="3429000"/>
+            <a:off x="3418110" y="3417977"/>
             <a:ext cx="2367643" cy="2791165"/>
             <a:chOff x="293914" y="196964"/>
             <a:chExt cx="2367643" cy="2791165"/>
@@ -3871,7 +3885,7 @@
             <p:nvPr/>
           </p:nvPicPr>
           <p:blipFill>
-            <a:blip r:embed="rId2">
+            <a:blip r:embed="rId2" cstate="hqprint">
               <a:extLst>
                 <a:ext uri="{28A0092B-C50C-407E-A947-70E740481C1C}">
                   <a14:useLocalDpi xmlns:a14="http://schemas.microsoft.com/office/drawing/2010/main" val="0"/>
@@ -3918,7 +3932,7 @@
         </p:nvGrpSpPr>
         <p:grpSpPr>
           <a:xfrm>
-            <a:off x="4933676" y="3429000"/>
+            <a:off x="6607626" y="3417977"/>
             <a:ext cx="2367643" cy="2791165"/>
             <a:chOff x="293914" y="196964"/>
             <a:chExt cx="2367643" cy="2791165"/>
@@ -3986,7 +4000,7 @@
             <p:nvPr/>
           </p:nvPicPr>
           <p:blipFill>
-            <a:blip r:embed="rId2">
+            <a:blip r:embed="rId2" cstate="hqprint">
               <a:extLst>
                 <a:ext uri="{28A0092B-C50C-407E-A947-70E740481C1C}">
                   <a14:useLocalDpi xmlns:a14="http://schemas.microsoft.com/office/drawing/2010/main" val="0"/>
@@ -4033,7 +4047,7 @@
         </p:nvGrpSpPr>
         <p:grpSpPr>
           <a:xfrm>
-            <a:off x="8098695" y="3429000"/>
+            <a:off x="9530443" y="3418590"/>
             <a:ext cx="2367643" cy="2791165"/>
             <a:chOff x="293914" y="196964"/>
             <a:chExt cx="2367643" cy="2791165"/>
@@ -4101,7 +4115,7 @@
             <p:nvPr/>
           </p:nvPicPr>
           <p:blipFill>
-            <a:blip r:embed="rId2">
+            <a:blip r:embed="rId2" cstate="hqprint">
               <a:extLst>
                 <a:ext uri="{28A0092B-C50C-407E-A947-70E740481C1C}">
                   <a14:useLocalDpi xmlns:a14="http://schemas.microsoft.com/office/drawing/2010/main" val="0"/>
@@ -4134,10 +4148,1186 @@
           </p:spPr>
         </p:pic>
       </p:grpSp>
+      <p:grpSp>
+        <p:nvGrpSpPr>
+          <p:cNvPr id="28" name="Agrupar 27">
+            <a:extLst>
+              <a:ext uri="{FF2B5EF4-FFF2-40B4-BE49-F238E27FC236}">
+                <a16:creationId xmlns:a16="http://schemas.microsoft.com/office/drawing/2014/main" id="{77C3BBB0-8D59-43D2-9BE1-766FAE9C0BA6}"/>
+              </a:ext>
+            </a:extLst>
+          </p:cNvPr>
+          <p:cNvGrpSpPr/>
+          <p:nvPr/>
+        </p:nvGrpSpPr>
+        <p:grpSpPr>
+          <a:xfrm>
+            <a:off x="361944" y="3417977"/>
+            <a:ext cx="2367643" cy="2791165"/>
+            <a:chOff x="293914" y="196964"/>
+            <a:chExt cx="2367643" cy="2791165"/>
+          </a:xfrm>
+        </p:grpSpPr>
+        <p:sp>
+          <p:nvSpPr>
+            <p:cNvPr id="29" name="Retângulo: Cantos Arredondados 3">
+              <a:extLst>
+                <a:ext uri="{FF2B5EF4-FFF2-40B4-BE49-F238E27FC236}">
+                  <a16:creationId xmlns:a16="http://schemas.microsoft.com/office/drawing/2014/main" id="{C1CDD6C3-10F8-4311-8617-85087E6F1154}"/>
+                </a:ext>
+              </a:extLst>
+            </p:cNvPr>
+            <p:cNvSpPr/>
+            <p:nvPr/>
+          </p:nvSpPr>
+          <p:spPr>
+            <a:xfrm>
+              <a:off x="293914" y="559254"/>
+              <a:ext cx="2367643" cy="2428875"/>
+            </a:xfrm>
+            <a:prstGeom prst="roundRect">
+              <a:avLst/>
+            </a:prstGeom>
+          </p:spPr>
+          <p:style>
+            <a:lnRef idx="1">
+              <a:schemeClr val="accent3"/>
+            </a:lnRef>
+            <a:fillRef idx="2">
+              <a:schemeClr val="accent3"/>
+            </a:fillRef>
+            <a:effectRef idx="1">
+              <a:schemeClr val="accent3"/>
+            </a:effectRef>
+            <a:fontRef idx="minor">
+              <a:schemeClr val="dk1"/>
+            </a:fontRef>
+          </p:style>
+          <p:txBody>
+            <a:bodyPr rtlCol="0" anchor="ctr"/>
+            <a:lstStyle/>
+            <a:p>
+              <a:pPr algn="ctr"/>
+              <a:r>
+                <a:rPr lang="pt-BR" dirty="0"/>
+                <a:t>Eu enquanto usuário </a:t>
+              </a:r>
+              <a:r>
+                <a:rPr lang="pt-BR" dirty="0" smtClean="0"/>
+                <a:t>quero acessos aos dados para prever possíveis avanços ou recuos </a:t>
+              </a:r>
+              <a:endParaRPr lang="pt-BR" dirty="0"/>
+            </a:p>
+          </p:txBody>
+        </p:sp>
+        <p:pic>
+          <p:nvPicPr>
+            <p:cNvPr id="30" name="Picture 4" descr="Usuário Pessoa Pessoas - Gráfico vetorial grátis no Pixabay">
+              <a:extLst>
+                <a:ext uri="{FF2B5EF4-FFF2-40B4-BE49-F238E27FC236}">
+                  <a16:creationId xmlns:a16="http://schemas.microsoft.com/office/drawing/2014/main" id="{69FE7E5F-7C9C-4677-9614-96E3546E9710}"/>
+                </a:ext>
+              </a:extLst>
+            </p:cNvPr>
+            <p:cNvPicPr>
+              <a:picLocks noChangeAspect="1" noChangeArrowheads="1"/>
+            </p:cNvPicPr>
+            <p:nvPr/>
+          </p:nvPicPr>
+          <p:blipFill>
+            <a:blip r:embed="rId2" cstate="hqprint">
+              <a:extLst>
+                <a:ext uri="{28A0092B-C50C-407E-A947-70E740481C1C}">
+                  <a14:useLocalDpi xmlns:a14="http://schemas.microsoft.com/office/drawing/2010/main" val="0"/>
+                </a:ext>
+              </a:extLst>
+            </a:blip>
+            <a:srcRect/>
+            <a:stretch>
+              <a:fillRect/>
+            </a:stretch>
+          </p:blipFill>
+          <p:spPr bwMode="auto">
+            <a:xfrm>
+              <a:off x="1091292" y="196964"/>
+              <a:ext cx="772885" cy="724579"/>
+            </a:xfrm>
+            <a:prstGeom prst="rect">
+              <a:avLst/>
+            </a:prstGeom>
+            <a:noFill/>
+            <a:extLst>
+              <a:ext uri="{909E8E84-426E-40DD-AFC4-6F175D3DCCD1}">
+                <a14:hiddenFill xmlns:a14="http://schemas.microsoft.com/office/drawing/2010/main">
+                  <a:solidFill>
+                    <a:srgbClr val="FFFFFF"/>
+                  </a:solidFill>
+                </a14:hiddenFill>
+              </a:ext>
+            </a:extLst>
+          </p:spPr>
+        </p:pic>
+      </p:grpSp>
     </p:spTree>
     <p:extLst>
       <p:ext uri="{BB962C8B-B14F-4D97-AF65-F5344CB8AC3E}">
         <p14:creationId xmlns:p14="http://schemas.microsoft.com/office/powerpoint/2010/main" val="2283346336"/>
+      </p:ext>
+    </p:extLst>
+  </p:cSld>
+  <p:clrMapOvr>
+    <a:masterClrMapping/>
+  </p:clrMapOvr>
+</p:sld>
+</file>
+
+<file path=ppt/slides/slide2.xml><?xml version="1.0" encoding="utf-8"?>
+<p:sld xmlns:a="http://schemas.openxmlformats.org/drawingml/2006/main" xmlns:r="http://schemas.openxmlformats.org/officeDocument/2006/relationships" xmlns:p="http://schemas.openxmlformats.org/presentationml/2006/main">
+  <p:cSld>
+    <p:spTree>
+      <p:nvGrpSpPr>
+        <p:cNvPr id="1" name=""/>
+        <p:cNvGrpSpPr/>
+        <p:nvPr/>
+      </p:nvGrpSpPr>
+      <p:grpSpPr>
+        <a:xfrm>
+          <a:off x="0" y="0"/>
+          <a:ext cx="0" cy="0"/>
+          <a:chOff x="0" y="0"/>
+          <a:chExt cx="0" cy="0"/>
+        </a:xfrm>
+      </p:grpSpPr>
+      <p:grpSp>
+        <p:nvGrpSpPr>
+          <p:cNvPr id="4" name="Agrupar 3">
+            <a:extLst>
+              <a:ext uri="{FF2B5EF4-FFF2-40B4-BE49-F238E27FC236}">
+                <a16:creationId xmlns:a16="http://schemas.microsoft.com/office/drawing/2014/main" id="{C4C93D86-376C-4D77-8848-52798F2264BD}"/>
+              </a:ext>
+            </a:extLst>
+          </p:cNvPr>
+          <p:cNvGrpSpPr/>
+          <p:nvPr/>
+        </p:nvGrpSpPr>
+        <p:grpSpPr>
+          <a:xfrm>
+            <a:off x="350517" y="295105"/>
+            <a:ext cx="2367643" cy="2791165"/>
+            <a:chOff x="293914" y="196964"/>
+            <a:chExt cx="2367643" cy="2791165"/>
+          </a:xfrm>
+        </p:grpSpPr>
+        <p:sp>
+          <p:nvSpPr>
+            <p:cNvPr id="5" name="Retângulo: Cantos Arredondados 13">
+              <a:extLst>
+                <a:ext uri="{FF2B5EF4-FFF2-40B4-BE49-F238E27FC236}">
+                  <a16:creationId xmlns:a16="http://schemas.microsoft.com/office/drawing/2014/main" id="{BA87640D-12B5-4A1A-88C7-C53269C56734}"/>
+                </a:ext>
+              </a:extLst>
+            </p:cNvPr>
+            <p:cNvSpPr/>
+            <p:nvPr/>
+          </p:nvSpPr>
+          <p:spPr>
+            <a:xfrm>
+              <a:off x="293914" y="559254"/>
+              <a:ext cx="2367643" cy="2428875"/>
+            </a:xfrm>
+            <a:prstGeom prst="roundRect">
+              <a:avLst/>
+            </a:prstGeom>
+          </p:spPr>
+          <p:style>
+            <a:lnRef idx="1">
+              <a:schemeClr val="accent3"/>
+            </a:lnRef>
+            <a:fillRef idx="2">
+              <a:schemeClr val="accent3"/>
+            </a:fillRef>
+            <a:effectRef idx="1">
+              <a:schemeClr val="accent3"/>
+            </a:effectRef>
+            <a:fontRef idx="minor">
+              <a:schemeClr val="dk1"/>
+            </a:fontRef>
+          </p:style>
+          <p:txBody>
+            <a:bodyPr rtlCol="0" anchor="ctr"/>
+            <a:lstStyle/>
+            <a:p>
+              <a:pPr algn="ctr"/>
+              <a:r>
+                <a:rPr lang="pt-BR" dirty="0"/>
+                <a:t>Eu enquanto analistas quero </a:t>
+              </a:r>
+              <a:r>
+                <a:rPr lang="pt-BR" dirty="0" smtClean="0"/>
+                <a:t>um sistema</a:t>
+              </a:r>
+              <a:r>
+                <a:rPr lang="pt-BR" dirty="0" smtClean="0"/>
+                <a:t> </a:t>
+              </a:r>
+              <a:r>
+                <a:rPr lang="pt-BR" dirty="0"/>
+                <a:t>para captação de </a:t>
+              </a:r>
+              <a:r>
+                <a:rPr lang="pt-BR" dirty="0" smtClean="0"/>
+                <a:t>dados</a:t>
+              </a:r>
+            </a:p>
+            <a:p>
+              <a:pPr algn="ctr"/>
+              <a:r>
+                <a:rPr lang="pt-BR" dirty="0" smtClean="0"/>
+                <a:t>máquina </a:t>
+              </a:r>
+              <a:endParaRPr lang="pt-BR" dirty="0"/>
+            </a:p>
+          </p:txBody>
+        </p:sp>
+        <p:pic>
+          <p:nvPicPr>
+            <p:cNvPr id="6" name="Picture 4" descr="Usuário Pessoa Pessoas - Gráfico vetorial grátis no Pixabay">
+              <a:extLst>
+                <a:ext uri="{FF2B5EF4-FFF2-40B4-BE49-F238E27FC236}">
+                  <a16:creationId xmlns:a16="http://schemas.microsoft.com/office/drawing/2014/main" id="{7F7A0B22-8101-4250-9466-6D307C3D75C2}"/>
+                </a:ext>
+              </a:extLst>
+            </p:cNvPr>
+            <p:cNvPicPr>
+              <a:picLocks noChangeAspect="1" noChangeArrowheads="1"/>
+            </p:cNvPicPr>
+            <p:nvPr/>
+          </p:nvPicPr>
+          <p:blipFill>
+            <a:blip r:embed="rId2" cstate="hqprint">
+              <a:extLst>
+                <a:ext uri="{28A0092B-C50C-407E-A947-70E740481C1C}">
+                  <a14:useLocalDpi xmlns:a14="http://schemas.microsoft.com/office/drawing/2010/main" val="0"/>
+                </a:ext>
+              </a:extLst>
+            </a:blip>
+            <a:srcRect/>
+            <a:stretch>
+              <a:fillRect/>
+            </a:stretch>
+          </p:blipFill>
+          <p:spPr bwMode="auto">
+            <a:xfrm>
+              <a:off x="1091292" y="196964"/>
+              <a:ext cx="772885" cy="724579"/>
+            </a:xfrm>
+            <a:prstGeom prst="rect">
+              <a:avLst/>
+            </a:prstGeom>
+            <a:noFill/>
+            <a:extLst>
+              <a:ext uri="{909E8E84-426E-40DD-AFC4-6F175D3DCCD1}">
+                <a14:hiddenFill xmlns:a14="http://schemas.microsoft.com/office/drawing/2010/main">
+                  <a:solidFill>
+                    <a:srgbClr val="FFFFFF"/>
+                  </a:solidFill>
+                </a14:hiddenFill>
+              </a:ext>
+            </a:extLst>
+          </p:spPr>
+        </p:pic>
+      </p:grpSp>
+      <p:grpSp>
+        <p:nvGrpSpPr>
+          <p:cNvPr id="7" name="Agrupar 6">
+            <a:extLst>
+              <a:ext uri="{FF2B5EF4-FFF2-40B4-BE49-F238E27FC236}">
+                <a16:creationId xmlns:a16="http://schemas.microsoft.com/office/drawing/2014/main" id="{C4C93D86-376C-4D77-8848-52798F2264BD}"/>
+              </a:ext>
+            </a:extLst>
+          </p:cNvPr>
+          <p:cNvGrpSpPr/>
+          <p:nvPr/>
+        </p:nvGrpSpPr>
+        <p:grpSpPr>
+          <a:xfrm>
+            <a:off x="3515538" y="295105"/>
+            <a:ext cx="2367643" cy="2791165"/>
+            <a:chOff x="293914" y="196964"/>
+            <a:chExt cx="2367643" cy="2791165"/>
+          </a:xfrm>
+        </p:grpSpPr>
+        <p:sp>
+          <p:nvSpPr>
+            <p:cNvPr id="8" name="Retângulo: Cantos Arredondados 13">
+              <a:extLst>
+                <a:ext uri="{FF2B5EF4-FFF2-40B4-BE49-F238E27FC236}">
+                  <a16:creationId xmlns:a16="http://schemas.microsoft.com/office/drawing/2014/main" id="{BA87640D-12B5-4A1A-88C7-C53269C56734}"/>
+                </a:ext>
+              </a:extLst>
+            </p:cNvPr>
+            <p:cNvSpPr/>
+            <p:nvPr/>
+          </p:nvSpPr>
+          <p:spPr>
+            <a:xfrm>
+              <a:off x="293914" y="559254"/>
+              <a:ext cx="2367643" cy="2428875"/>
+            </a:xfrm>
+            <a:prstGeom prst="roundRect">
+              <a:avLst/>
+            </a:prstGeom>
+          </p:spPr>
+          <p:style>
+            <a:lnRef idx="1">
+              <a:schemeClr val="accent3"/>
+            </a:lnRef>
+            <a:fillRef idx="2">
+              <a:schemeClr val="accent3"/>
+            </a:fillRef>
+            <a:effectRef idx="1">
+              <a:schemeClr val="accent3"/>
+            </a:effectRef>
+            <a:fontRef idx="minor">
+              <a:schemeClr val="dk1"/>
+            </a:fontRef>
+          </p:style>
+          <p:txBody>
+            <a:bodyPr rtlCol="0" anchor="ctr"/>
+            <a:lstStyle/>
+            <a:p>
+              <a:pPr algn="ctr"/>
+              <a:r>
+                <a:rPr lang="pt-BR" dirty="0"/>
+                <a:t>Eu enquanto </a:t>
+              </a:r>
+              <a:r>
+                <a:rPr lang="pt-BR" dirty="0" smtClean="0"/>
+                <a:t>gerente </a:t>
+              </a:r>
+              <a:r>
+                <a:rPr lang="pt-BR" dirty="0"/>
+                <a:t>quero </a:t>
+              </a:r>
+              <a:r>
+                <a:rPr lang="pt-BR" dirty="0" smtClean="0"/>
+                <a:t>configurações gráficas </a:t>
+              </a:r>
+              <a:r>
+                <a:rPr lang="pt-BR" dirty="0" smtClean="0"/>
+                <a:t>para</a:t>
+              </a:r>
+            </a:p>
+            <a:p>
+              <a:pPr algn="ctr"/>
+              <a:r>
+                <a:rPr lang="pt-BR" dirty="0" smtClean="0"/>
+                <a:t>ter melhor ciência e administração </a:t>
+              </a:r>
+              <a:r>
+                <a:rPr lang="pt-BR" dirty="0" smtClean="0"/>
+                <a:t> </a:t>
+              </a:r>
+              <a:endParaRPr lang="pt-BR" dirty="0"/>
+            </a:p>
+          </p:txBody>
+        </p:sp>
+        <p:pic>
+          <p:nvPicPr>
+            <p:cNvPr id="9" name="Picture 4" descr="Usuário Pessoa Pessoas - Gráfico vetorial grátis no Pixabay">
+              <a:extLst>
+                <a:ext uri="{FF2B5EF4-FFF2-40B4-BE49-F238E27FC236}">
+                  <a16:creationId xmlns:a16="http://schemas.microsoft.com/office/drawing/2014/main" id="{7F7A0B22-8101-4250-9466-6D307C3D75C2}"/>
+                </a:ext>
+              </a:extLst>
+            </p:cNvPr>
+            <p:cNvPicPr>
+              <a:picLocks noChangeAspect="1" noChangeArrowheads="1"/>
+            </p:cNvPicPr>
+            <p:nvPr/>
+          </p:nvPicPr>
+          <p:blipFill>
+            <a:blip r:embed="rId2" cstate="hqprint">
+              <a:extLst>
+                <a:ext uri="{28A0092B-C50C-407E-A947-70E740481C1C}">
+                  <a14:useLocalDpi xmlns:a14="http://schemas.microsoft.com/office/drawing/2010/main" val="0"/>
+                </a:ext>
+              </a:extLst>
+            </a:blip>
+            <a:srcRect/>
+            <a:stretch>
+              <a:fillRect/>
+            </a:stretch>
+          </p:blipFill>
+          <p:spPr bwMode="auto">
+            <a:xfrm>
+              <a:off x="1091292" y="196964"/>
+              <a:ext cx="772885" cy="724579"/>
+            </a:xfrm>
+            <a:prstGeom prst="rect">
+              <a:avLst/>
+            </a:prstGeom>
+            <a:noFill/>
+            <a:extLst>
+              <a:ext uri="{909E8E84-426E-40DD-AFC4-6F175D3DCCD1}">
+                <a14:hiddenFill xmlns:a14="http://schemas.microsoft.com/office/drawing/2010/main">
+                  <a:solidFill>
+                    <a:srgbClr val="FFFFFF"/>
+                  </a:solidFill>
+                </a14:hiddenFill>
+              </a:ext>
+            </a:extLst>
+          </p:spPr>
+        </p:pic>
+      </p:grpSp>
+      <p:grpSp>
+        <p:nvGrpSpPr>
+          <p:cNvPr id="10" name="Agrupar 9">
+            <a:extLst>
+              <a:ext uri="{FF2B5EF4-FFF2-40B4-BE49-F238E27FC236}">
+                <a16:creationId xmlns:a16="http://schemas.microsoft.com/office/drawing/2014/main" id="{C4C93D86-376C-4D77-8848-52798F2264BD}"/>
+              </a:ext>
+            </a:extLst>
+          </p:cNvPr>
+          <p:cNvGrpSpPr/>
+          <p:nvPr/>
+        </p:nvGrpSpPr>
+        <p:grpSpPr>
+          <a:xfrm>
+            <a:off x="6680557" y="295105"/>
+            <a:ext cx="2367643" cy="2791165"/>
+            <a:chOff x="293914" y="196964"/>
+            <a:chExt cx="2367643" cy="2791165"/>
+          </a:xfrm>
+        </p:grpSpPr>
+        <p:sp>
+          <p:nvSpPr>
+            <p:cNvPr id="11" name="Retângulo: Cantos Arredondados 13">
+              <a:extLst>
+                <a:ext uri="{FF2B5EF4-FFF2-40B4-BE49-F238E27FC236}">
+                  <a16:creationId xmlns:a16="http://schemas.microsoft.com/office/drawing/2014/main" id="{BA87640D-12B5-4A1A-88C7-C53269C56734}"/>
+                </a:ext>
+              </a:extLst>
+            </p:cNvPr>
+            <p:cNvSpPr/>
+            <p:nvPr/>
+          </p:nvSpPr>
+          <p:spPr>
+            <a:xfrm>
+              <a:off x="293914" y="559254"/>
+              <a:ext cx="2367643" cy="2428875"/>
+            </a:xfrm>
+            <a:prstGeom prst="roundRect">
+              <a:avLst/>
+            </a:prstGeom>
+          </p:spPr>
+          <p:style>
+            <a:lnRef idx="1">
+              <a:schemeClr val="accent3"/>
+            </a:lnRef>
+            <a:fillRef idx="2">
+              <a:schemeClr val="accent3"/>
+            </a:fillRef>
+            <a:effectRef idx="1">
+              <a:schemeClr val="accent3"/>
+            </a:effectRef>
+            <a:fontRef idx="minor">
+              <a:schemeClr val="dk1"/>
+            </a:fontRef>
+          </p:style>
+          <p:txBody>
+            <a:bodyPr rtlCol="0" anchor="ctr"/>
+            <a:lstStyle/>
+            <a:p>
+              <a:pPr algn="ctr"/>
+              <a:r>
+                <a:rPr lang="pt-BR" dirty="0"/>
+                <a:t>Eu enquanto analistas quero </a:t>
+              </a:r>
+              <a:r>
+                <a:rPr lang="pt-BR" dirty="0" smtClean="0"/>
+                <a:t>uma plataforma responsiva</a:t>
+              </a:r>
+              <a:r>
+                <a:rPr lang="pt-BR" dirty="0" smtClean="0"/>
+                <a:t> </a:t>
+              </a:r>
+              <a:r>
+                <a:rPr lang="pt-BR" dirty="0"/>
+                <a:t>para </a:t>
+              </a:r>
+              <a:r>
+                <a:rPr lang="pt-BR" dirty="0" smtClean="0"/>
+                <a:t>utilizar em vários dispositivos </a:t>
+              </a:r>
+              <a:endParaRPr lang="pt-BR" dirty="0"/>
+            </a:p>
+          </p:txBody>
+        </p:sp>
+        <p:pic>
+          <p:nvPicPr>
+            <p:cNvPr id="12" name="Picture 4" descr="Usuário Pessoa Pessoas - Gráfico vetorial grátis no Pixabay">
+              <a:extLst>
+                <a:ext uri="{FF2B5EF4-FFF2-40B4-BE49-F238E27FC236}">
+                  <a16:creationId xmlns:a16="http://schemas.microsoft.com/office/drawing/2014/main" id="{7F7A0B22-8101-4250-9466-6D307C3D75C2}"/>
+                </a:ext>
+              </a:extLst>
+            </p:cNvPr>
+            <p:cNvPicPr>
+              <a:picLocks noChangeAspect="1" noChangeArrowheads="1"/>
+            </p:cNvPicPr>
+            <p:nvPr/>
+          </p:nvPicPr>
+          <p:blipFill>
+            <a:blip r:embed="rId2" cstate="hqprint">
+              <a:extLst>
+                <a:ext uri="{28A0092B-C50C-407E-A947-70E740481C1C}">
+                  <a14:useLocalDpi xmlns:a14="http://schemas.microsoft.com/office/drawing/2010/main" val="0"/>
+                </a:ext>
+              </a:extLst>
+            </a:blip>
+            <a:srcRect/>
+            <a:stretch>
+              <a:fillRect/>
+            </a:stretch>
+          </p:blipFill>
+          <p:spPr bwMode="auto">
+            <a:xfrm>
+              <a:off x="1091292" y="196964"/>
+              <a:ext cx="772885" cy="724579"/>
+            </a:xfrm>
+            <a:prstGeom prst="rect">
+              <a:avLst/>
+            </a:prstGeom>
+            <a:noFill/>
+            <a:extLst>
+              <a:ext uri="{909E8E84-426E-40DD-AFC4-6F175D3DCCD1}">
+                <a14:hiddenFill xmlns:a14="http://schemas.microsoft.com/office/drawing/2010/main">
+                  <a:solidFill>
+                    <a:srgbClr val="FFFFFF"/>
+                  </a:solidFill>
+                </a14:hiddenFill>
+              </a:ext>
+            </a:extLst>
+          </p:spPr>
+        </p:pic>
+      </p:grpSp>
+      <p:grpSp>
+        <p:nvGrpSpPr>
+          <p:cNvPr id="13" name="Agrupar 12">
+            <a:extLst>
+              <a:ext uri="{FF2B5EF4-FFF2-40B4-BE49-F238E27FC236}">
+                <a16:creationId xmlns:a16="http://schemas.microsoft.com/office/drawing/2014/main" id="{C4C93D86-376C-4D77-8848-52798F2264BD}"/>
+              </a:ext>
+            </a:extLst>
+          </p:cNvPr>
+          <p:cNvGrpSpPr/>
+          <p:nvPr/>
+        </p:nvGrpSpPr>
+        <p:grpSpPr>
+          <a:xfrm>
+            <a:off x="9667597" y="295105"/>
+            <a:ext cx="2367643" cy="2791165"/>
+            <a:chOff x="293914" y="196964"/>
+            <a:chExt cx="2367643" cy="2791165"/>
+          </a:xfrm>
+        </p:grpSpPr>
+        <p:sp>
+          <p:nvSpPr>
+            <p:cNvPr id="14" name="Retângulo: Cantos Arredondados 13">
+              <a:extLst>
+                <a:ext uri="{FF2B5EF4-FFF2-40B4-BE49-F238E27FC236}">
+                  <a16:creationId xmlns:a16="http://schemas.microsoft.com/office/drawing/2014/main" id="{BA87640D-12B5-4A1A-88C7-C53269C56734}"/>
+                </a:ext>
+              </a:extLst>
+            </p:cNvPr>
+            <p:cNvSpPr/>
+            <p:nvPr/>
+          </p:nvSpPr>
+          <p:spPr>
+            <a:xfrm>
+              <a:off x="293914" y="559254"/>
+              <a:ext cx="2367643" cy="2428875"/>
+            </a:xfrm>
+            <a:prstGeom prst="roundRect">
+              <a:avLst/>
+            </a:prstGeom>
+          </p:spPr>
+          <p:style>
+            <a:lnRef idx="1">
+              <a:schemeClr val="accent3"/>
+            </a:lnRef>
+            <a:fillRef idx="2">
+              <a:schemeClr val="accent3"/>
+            </a:fillRef>
+            <a:effectRef idx="1">
+              <a:schemeClr val="accent3"/>
+            </a:effectRef>
+            <a:fontRef idx="minor">
+              <a:schemeClr val="dk1"/>
+            </a:fontRef>
+          </p:style>
+          <p:txBody>
+            <a:bodyPr rtlCol="0" anchor="ctr"/>
+            <a:lstStyle/>
+            <a:p>
+              <a:pPr algn="ctr"/>
+              <a:r>
+                <a:rPr lang="pt-BR" dirty="0"/>
+                <a:t>Eu enquanto </a:t>
+              </a:r>
+              <a:r>
+                <a:rPr lang="pt-BR" dirty="0" smtClean="0"/>
+                <a:t>analista quero saber o status dos sensores </a:t>
+              </a:r>
+              <a:r>
+                <a:rPr lang="pt-BR" dirty="0"/>
+                <a:t>para </a:t>
+              </a:r>
+              <a:r>
+                <a:rPr lang="pt-BR" dirty="0" smtClean="0"/>
+                <a:t>facilitar a manutenção</a:t>
+              </a:r>
+              <a:endParaRPr lang="pt-BR" dirty="0"/>
+            </a:p>
+          </p:txBody>
+        </p:sp>
+        <p:pic>
+          <p:nvPicPr>
+            <p:cNvPr id="15" name="Picture 4" descr="Usuário Pessoa Pessoas - Gráfico vetorial grátis no Pixabay">
+              <a:extLst>
+                <a:ext uri="{FF2B5EF4-FFF2-40B4-BE49-F238E27FC236}">
+                  <a16:creationId xmlns:a16="http://schemas.microsoft.com/office/drawing/2014/main" id="{7F7A0B22-8101-4250-9466-6D307C3D75C2}"/>
+                </a:ext>
+              </a:extLst>
+            </p:cNvPr>
+            <p:cNvPicPr>
+              <a:picLocks noChangeAspect="1" noChangeArrowheads="1"/>
+            </p:cNvPicPr>
+            <p:nvPr/>
+          </p:nvPicPr>
+          <p:blipFill>
+            <a:blip r:embed="rId2" cstate="hqprint">
+              <a:extLst>
+                <a:ext uri="{28A0092B-C50C-407E-A947-70E740481C1C}">
+                  <a14:useLocalDpi xmlns:a14="http://schemas.microsoft.com/office/drawing/2010/main" val="0"/>
+                </a:ext>
+              </a:extLst>
+            </a:blip>
+            <a:srcRect/>
+            <a:stretch>
+              <a:fillRect/>
+            </a:stretch>
+          </p:blipFill>
+          <p:spPr bwMode="auto">
+            <a:xfrm>
+              <a:off x="1091292" y="196964"/>
+              <a:ext cx="772885" cy="724579"/>
+            </a:xfrm>
+            <a:prstGeom prst="rect">
+              <a:avLst/>
+            </a:prstGeom>
+            <a:noFill/>
+            <a:extLst>
+              <a:ext uri="{909E8E84-426E-40DD-AFC4-6F175D3DCCD1}">
+                <a14:hiddenFill xmlns:a14="http://schemas.microsoft.com/office/drawing/2010/main">
+                  <a:solidFill>
+                    <a:srgbClr val="FFFFFF"/>
+                  </a:solidFill>
+                </a14:hiddenFill>
+              </a:ext>
+            </a:extLst>
+          </p:spPr>
+        </p:pic>
+      </p:grpSp>
+      <p:grpSp>
+        <p:nvGrpSpPr>
+          <p:cNvPr id="16" name="Agrupar 15">
+            <a:extLst>
+              <a:ext uri="{FF2B5EF4-FFF2-40B4-BE49-F238E27FC236}">
+                <a16:creationId xmlns:a16="http://schemas.microsoft.com/office/drawing/2014/main" id="{C4C93D86-376C-4D77-8848-52798F2264BD}"/>
+              </a:ext>
+            </a:extLst>
+          </p:cNvPr>
+          <p:cNvGrpSpPr/>
+          <p:nvPr/>
+        </p:nvGrpSpPr>
+        <p:grpSpPr>
+          <a:xfrm>
+            <a:off x="321662" y="3448560"/>
+            <a:ext cx="2367643" cy="2791165"/>
+            <a:chOff x="293914" y="196964"/>
+            <a:chExt cx="2367643" cy="2791165"/>
+          </a:xfrm>
+        </p:grpSpPr>
+        <p:sp>
+          <p:nvSpPr>
+            <p:cNvPr id="17" name="Retângulo: Cantos Arredondados 13">
+              <a:extLst>
+                <a:ext uri="{FF2B5EF4-FFF2-40B4-BE49-F238E27FC236}">
+                  <a16:creationId xmlns:a16="http://schemas.microsoft.com/office/drawing/2014/main" id="{BA87640D-12B5-4A1A-88C7-C53269C56734}"/>
+                </a:ext>
+              </a:extLst>
+            </p:cNvPr>
+            <p:cNvSpPr/>
+            <p:nvPr/>
+          </p:nvSpPr>
+          <p:spPr>
+            <a:xfrm>
+              <a:off x="293914" y="559254"/>
+              <a:ext cx="2367643" cy="2428875"/>
+            </a:xfrm>
+            <a:prstGeom prst="roundRect">
+              <a:avLst/>
+            </a:prstGeom>
+          </p:spPr>
+          <p:style>
+            <a:lnRef idx="1">
+              <a:schemeClr val="accent3"/>
+            </a:lnRef>
+            <a:fillRef idx="2">
+              <a:schemeClr val="accent3"/>
+            </a:fillRef>
+            <a:effectRef idx="1">
+              <a:schemeClr val="accent3"/>
+            </a:effectRef>
+            <a:fontRef idx="minor">
+              <a:schemeClr val="dk1"/>
+            </a:fontRef>
+          </p:style>
+          <p:txBody>
+            <a:bodyPr rtlCol="0" anchor="ctr"/>
+            <a:lstStyle/>
+            <a:p>
+              <a:pPr algn="ctr"/>
+              <a:r>
+                <a:rPr lang="pt-BR" dirty="0"/>
+                <a:t>Eu enquanto </a:t>
+              </a:r>
+              <a:r>
+                <a:rPr lang="pt-BR" dirty="0" smtClean="0"/>
+                <a:t>analista quero saber o status da memória para </a:t>
+              </a:r>
+              <a:r>
+                <a:rPr lang="pt-BR" dirty="0" smtClean="0"/>
+                <a:t>não ter picos ou perdas de dados</a:t>
+              </a:r>
+              <a:endParaRPr lang="pt-BR" dirty="0"/>
+            </a:p>
+          </p:txBody>
+        </p:sp>
+        <p:pic>
+          <p:nvPicPr>
+            <p:cNvPr id="18" name="Picture 4" descr="Usuário Pessoa Pessoas - Gráfico vetorial grátis no Pixabay">
+              <a:extLst>
+                <a:ext uri="{FF2B5EF4-FFF2-40B4-BE49-F238E27FC236}">
+                  <a16:creationId xmlns:a16="http://schemas.microsoft.com/office/drawing/2014/main" id="{7F7A0B22-8101-4250-9466-6D307C3D75C2}"/>
+                </a:ext>
+              </a:extLst>
+            </p:cNvPr>
+            <p:cNvPicPr>
+              <a:picLocks noChangeAspect="1" noChangeArrowheads="1"/>
+            </p:cNvPicPr>
+            <p:nvPr/>
+          </p:nvPicPr>
+          <p:blipFill>
+            <a:blip r:embed="rId2" cstate="hqprint">
+              <a:extLst>
+                <a:ext uri="{28A0092B-C50C-407E-A947-70E740481C1C}">
+                  <a14:useLocalDpi xmlns:a14="http://schemas.microsoft.com/office/drawing/2010/main" val="0"/>
+                </a:ext>
+              </a:extLst>
+            </a:blip>
+            <a:srcRect/>
+            <a:stretch>
+              <a:fillRect/>
+            </a:stretch>
+          </p:blipFill>
+          <p:spPr bwMode="auto">
+            <a:xfrm>
+              <a:off x="1091292" y="196964"/>
+              <a:ext cx="772885" cy="724579"/>
+            </a:xfrm>
+            <a:prstGeom prst="rect">
+              <a:avLst/>
+            </a:prstGeom>
+            <a:noFill/>
+            <a:extLst>
+              <a:ext uri="{909E8E84-426E-40DD-AFC4-6F175D3DCCD1}">
+                <a14:hiddenFill xmlns:a14="http://schemas.microsoft.com/office/drawing/2010/main">
+                  <a:solidFill>
+                    <a:srgbClr val="FFFFFF"/>
+                  </a:solidFill>
+                </a14:hiddenFill>
+              </a:ext>
+            </a:extLst>
+          </p:spPr>
+        </p:pic>
+      </p:grpSp>
+      <p:grpSp>
+        <p:nvGrpSpPr>
+          <p:cNvPr id="19" name="Agrupar 18">
+            <a:extLst>
+              <a:ext uri="{FF2B5EF4-FFF2-40B4-BE49-F238E27FC236}">
+                <a16:creationId xmlns:a16="http://schemas.microsoft.com/office/drawing/2014/main" id="{C4C93D86-376C-4D77-8848-52798F2264BD}"/>
+              </a:ext>
+            </a:extLst>
+          </p:cNvPr>
+          <p:cNvGrpSpPr/>
+          <p:nvPr/>
+        </p:nvGrpSpPr>
+        <p:grpSpPr>
+          <a:xfrm>
+            <a:off x="3515538" y="3448560"/>
+            <a:ext cx="2367643" cy="2791165"/>
+            <a:chOff x="293914" y="196964"/>
+            <a:chExt cx="2367643" cy="2791165"/>
+          </a:xfrm>
+        </p:grpSpPr>
+        <p:sp>
+          <p:nvSpPr>
+            <p:cNvPr id="20" name="Retângulo: Cantos Arredondados 13">
+              <a:extLst>
+                <a:ext uri="{FF2B5EF4-FFF2-40B4-BE49-F238E27FC236}">
+                  <a16:creationId xmlns:a16="http://schemas.microsoft.com/office/drawing/2014/main" id="{BA87640D-12B5-4A1A-88C7-C53269C56734}"/>
+                </a:ext>
+              </a:extLst>
+            </p:cNvPr>
+            <p:cNvSpPr/>
+            <p:nvPr/>
+          </p:nvSpPr>
+          <p:spPr>
+            <a:xfrm>
+              <a:off x="293914" y="559254"/>
+              <a:ext cx="2367643" cy="2428875"/>
+            </a:xfrm>
+            <a:prstGeom prst="roundRect">
+              <a:avLst/>
+            </a:prstGeom>
+          </p:spPr>
+          <p:style>
+            <a:lnRef idx="1">
+              <a:schemeClr val="accent3"/>
+            </a:lnRef>
+            <a:fillRef idx="2">
+              <a:schemeClr val="accent3"/>
+            </a:fillRef>
+            <a:effectRef idx="1">
+              <a:schemeClr val="accent3"/>
+            </a:effectRef>
+            <a:fontRef idx="minor">
+              <a:schemeClr val="dk1"/>
+            </a:fontRef>
+          </p:style>
+          <p:txBody>
+            <a:bodyPr rtlCol="0" anchor="ctr"/>
+            <a:lstStyle/>
+            <a:p>
+              <a:pPr algn="ctr"/>
+              <a:r>
+                <a:rPr lang="pt-BR" dirty="0"/>
+                <a:t>Eu enquanto </a:t>
+              </a:r>
+              <a:r>
+                <a:rPr lang="pt-BR" dirty="0" smtClean="0"/>
+                <a:t>analista quero saber o status da memória virtual para não haver sobrecarga</a:t>
+              </a:r>
+              <a:endParaRPr lang="pt-BR" dirty="0"/>
+            </a:p>
+          </p:txBody>
+        </p:sp>
+        <p:pic>
+          <p:nvPicPr>
+            <p:cNvPr id="21" name="Picture 4" descr="Usuário Pessoa Pessoas - Gráfico vetorial grátis no Pixabay">
+              <a:extLst>
+                <a:ext uri="{FF2B5EF4-FFF2-40B4-BE49-F238E27FC236}">
+                  <a16:creationId xmlns:a16="http://schemas.microsoft.com/office/drawing/2014/main" id="{7F7A0B22-8101-4250-9466-6D307C3D75C2}"/>
+                </a:ext>
+              </a:extLst>
+            </p:cNvPr>
+            <p:cNvPicPr>
+              <a:picLocks noChangeAspect="1" noChangeArrowheads="1"/>
+            </p:cNvPicPr>
+            <p:nvPr/>
+          </p:nvPicPr>
+          <p:blipFill>
+            <a:blip r:embed="rId2" cstate="hqprint">
+              <a:extLst>
+                <a:ext uri="{28A0092B-C50C-407E-A947-70E740481C1C}">
+                  <a14:useLocalDpi xmlns:a14="http://schemas.microsoft.com/office/drawing/2010/main" val="0"/>
+                </a:ext>
+              </a:extLst>
+            </a:blip>
+            <a:srcRect/>
+            <a:stretch>
+              <a:fillRect/>
+            </a:stretch>
+          </p:blipFill>
+          <p:spPr bwMode="auto">
+            <a:xfrm>
+              <a:off x="1091292" y="196964"/>
+              <a:ext cx="772885" cy="724579"/>
+            </a:xfrm>
+            <a:prstGeom prst="rect">
+              <a:avLst/>
+            </a:prstGeom>
+            <a:noFill/>
+            <a:extLst>
+              <a:ext uri="{909E8E84-426E-40DD-AFC4-6F175D3DCCD1}">
+                <a14:hiddenFill xmlns:a14="http://schemas.microsoft.com/office/drawing/2010/main">
+                  <a:solidFill>
+                    <a:srgbClr val="FFFFFF"/>
+                  </a:solidFill>
+                </a14:hiddenFill>
+              </a:ext>
+            </a:extLst>
+          </p:spPr>
+        </p:pic>
+      </p:grpSp>
+      <p:grpSp>
+        <p:nvGrpSpPr>
+          <p:cNvPr id="22" name="Agrupar 21">
+            <a:extLst>
+              <a:ext uri="{FF2B5EF4-FFF2-40B4-BE49-F238E27FC236}">
+                <a16:creationId xmlns:a16="http://schemas.microsoft.com/office/drawing/2014/main" id="{C4C93D86-376C-4D77-8848-52798F2264BD}"/>
+              </a:ext>
+            </a:extLst>
+          </p:cNvPr>
+          <p:cNvGrpSpPr/>
+          <p:nvPr/>
+        </p:nvGrpSpPr>
+        <p:grpSpPr>
+          <a:xfrm>
+            <a:off x="6680557" y="3448560"/>
+            <a:ext cx="2367643" cy="2791165"/>
+            <a:chOff x="293914" y="196964"/>
+            <a:chExt cx="2367643" cy="2791165"/>
+          </a:xfrm>
+        </p:grpSpPr>
+        <p:sp>
+          <p:nvSpPr>
+            <p:cNvPr id="23" name="Retângulo: Cantos Arredondados 13">
+              <a:extLst>
+                <a:ext uri="{FF2B5EF4-FFF2-40B4-BE49-F238E27FC236}">
+                  <a16:creationId xmlns:a16="http://schemas.microsoft.com/office/drawing/2014/main" id="{BA87640D-12B5-4A1A-88C7-C53269C56734}"/>
+                </a:ext>
+              </a:extLst>
+            </p:cNvPr>
+            <p:cNvSpPr/>
+            <p:nvPr/>
+          </p:nvSpPr>
+          <p:spPr>
+            <a:xfrm>
+              <a:off x="293914" y="559254"/>
+              <a:ext cx="2367643" cy="2428875"/>
+            </a:xfrm>
+            <a:prstGeom prst="roundRect">
+              <a:avLst/>
+            </a:prstGeom>
+          </p:spPr>
+          <p:style>
+            <a:lnRef idx="1">
+              <a:schemeClr val="accent3"/>
+            </a:lnRef>
+            <a:fillRef idx="2">
+              <a:schemeClr val="accent3"/>
+            </a:fillRef>
+            <a:effectRef idx="1">
+              <a:schemeClr val="accent3"/>
+            </a:effectRef>
+            <a:fontRef idx="minor">
+              <a:schemeClr val="dk1"/>
+            </a:fontRef>
+          </p:style>
+          <p:txBody>
+            <a:bodyPr rtlCol="0" anchor="ctr"/>
+            <a:lstStyle/>
+            <a:p>
+              <a:pPr algn="ctr"/>
+              <a:r>
+                <a:rPr lang="pt-BR" dirty="0"/>
+                <a:t>Eu enquanto </a:t>
+              </a:r>
+              <a:r>
+                <a:rPr lang="pt-BR" dirty="0" smtClean="0"/>
+                <a:t>analista quero saber a situação do uso da nuvem para não haver gastos desnecessários</a:t>
+              </a:r>
+              <a:endParaRPr lang="pt-BR" dirty="0"/>
+            </a:p>
+          </p:txBody>
+        </p:sp>
+        <p:pic>
+          <p:nvPicPr>
+            <p:cNvPr id="24" name="Picture 4" descr="Usuário Pessoa Pessoas - Gráfico vetorial grátis no Pixabay">
+              <a:extLst>
+                <a:ext uri="{FF2B5EF4-FFF2-40B4-BE49-F238E27FC236}">
+                  <a16:creationId xmlns:a16="http://schemas.microsoft.com/office/drawing/2014/main" id="{7F7A0B22-8101-4250-9466-6D307C3D75C2}"/>
+                </a:ext>
+              </a:extLst>
+            </p:cNvPr>
+            <p:cNvPicPr>
+              <a:picLocks noChangeAspect="1" noChangeArrowheads="1"/>
+            </p:cNvPicPr>
+            <p:nvPr/>
+          </p:nvPicPr>
+          <p:blipFill>
+            <a:blip r:embed="rId2" cstate="hqprint">
+              <a:extLst>
+                <a:ext uri="{28A0092B-C50C-407E-A947-70E740481C1C}">
+                  <a14:useLocalDpi xmlns:a14="http://schemas.microsoft.com/office/drawing/2010/main" val="0"/>
+                </a:ext>
+              </a:extLst>
+            </a:blip>
+            <a:srcRect/>
+            <a:stretch>
+              <a:fillRect/>
+            </a:stretch>
+          </p:blipFill>
+          <p:spPr bwMode="auto">
+            <a:xfrm>
+              <a:off x="1091292" y="196964"/>
+              <a:ext cx="772885" cy="724579"/>
+            </a:xfrm>
+            <a:prstGeom prst="rect">
+              <a:avLst/>
+            </a:prstGeom>
+            <a:noFill/>
+            <a:extLst>
+              <a:ext uri="{909E8E84-426E-40DD-AFC4-6F175D3DCCD1}">
+                <a14:hiddenFill xmlns:a14="http://schemas.microsoft.com/office/drawing/2010/main">
+                  <a:solidFill>
+                    <a:srgbClr val="FFFFFF"/>
+                  </a:solidFill>
+                </a14:hiddenFill>
+              </a:ext>
+            </a:extLst>
+          </p:spPr>
+        </p:pic>
+      </p:grpSp>
+      <p:grpSp>
+        <p:nvGrpSpPr>
+          <p:cNvPr id="25" name="Agrupar 24">
+            <a:extLst>
+              <a:ext uri="{FF2B5EF4-FFF2-40B4-BE49-F238E27FC236}">
+                <a16:creationId xmlns:a16="http://schemas.microsoft.com/office/drawing/2014/main" id="{C4C93D86-376C-4D77-8848-52798F2264BD}"/>
+              </a:ext>
+            </a:extLst>
+          </p:cNvPr>
+          <p:cNvGrpSpPr/>
+          <p:nvPr/>
+        </p:nvGrpSpPr>
+        <p:grpSpPr>
+          <a:xfrm>
+            <a:off x="9667597" y="3448560"/>
+            <a:ext cx="2367643" cy="2791165"/>
+            <a:chOff x="293914" y="196964"/>
+            <a:chExt cx="2367643" cy="2791165"/>
+          </a:xfrm>
+        </p:grpSpPr>
+        <p:sp>
+          <p:nvSpPr>
+            <p:cNvPr id="26" name="Retângulo: Cantos Arredondados 13">
+              <a:extLst>
+                <a:ext uri="{FF2B5EF4-FFF2-40B4-BE49-F238E27FC236}">
+                  <a16:creationId xmlns:a16="http://schemas.microsoft.com/office/drawing/2014/main" id="{BA87640D-12B5-4A1A-88C7-C53269C56734}"/>
+                </a:ext>
+              </a:extLst>
+            </p:cNvPr>
+            <p:cNvSpPr/>
+            <p:nvPr/>
+          </p:nvSpPr>
+          <p:spPr>
+            <a:xfrm>
+              <a:off x="293914" y="559254"/>
+              <a:ext cx="2367643" cy="2428875"/>
+            </a:xfrm>
+            <a:prstGeom prst="roundRect">
+              <a:avLst/>
+            </a:prstGeom>
+          </p:spPr>
+          <p:style>
+            <a:lnRef idx="1">
+              <a:schemeClr val="accent3"/>
+            </a:lnRef>
+            <a:fillRef idx="2">
+              <a:schemeClr val="accent3"/>
+            </a:fillRef>
+            <a:effectRef idx="1">
+              <a:schemeClr val="accent3"/>
+            </a:effectRef>
+            <a:fontRef idx="minor">
+              <a:schemeClr val="dk1"/>
+            </a:fontRef>
+          </p:style>
+          <p:txBody>
+            <a:bodyPr rtlCol="0" anchor="ctr"/>
+            <a:lstStyle/>
+            <a:p>
+              <a:pPr algn="ctr"/>
+              <a:r>
+                <a:rPr lang="pt-BR" dirty="0"/>
+                <a:t>Eu enquanto </a:t>
+              </a:r>
+              <a:r>
+                <a:rPr lang="pt-BR" dirty="0" smtClean="0"/>
+                <a:t>cliente quero ter 99% disponibilidade para não ocorrer falhas de processo</a:t>
+              </a:r>
+              <a:endParaRPr lang="pt-BR" dirty="0"/>
+            </a:p>
+          </p:txBody>
+        </p:sp>
+        <p:pic>
+          <p:nvPicPr>
+            <p:cNvPr id="27" name="Picture 4" descr="Usuário Pessoa Pessoas - Gráfico vetorial grátis no Pixabay">
+              <a:extLst>
+                <a:ext uri="{FF2B5EF4-FFF2-40B4-BE49-F238E27FC236}">
+                  <a16:creationId xmlns:a16="http://schemas.microsoft.com/office/drawing/2014/main" id="{7F7A0B22-8101-4250-9466-6D307C3D75C2}"/>
+                </a:ext>
+              </a:extLst>
+            </p:cNvPr>
+            <p:cNvPicPr>
+              <a:picLocks noChangeAspect="1" noChangeArrowheads="1"/>
+            </p:cNvPicPr>
+            <p:nvPr/>
+          </p:nvPicPr>
+          <p:blipFill>
+            <a:blip r:embed="rId2" cstate="hqprint">
+              <a:extLst>
+                <a:ext uri="{28A0092B-C50C-407E-A947-70E740481C1C}">
+                  <a14:useLocalDpi xmlns:a14="http://schemas.microsoft.com/office/drawing/2010/main" val="0"/>
+                </a:ext>
+              </a:extLst>
+            </a:blip>
+            <a:srcRect/>
+            <a:stretch>
+              <a:fillRect/>
+            </a:stretch>
+          </p:blipFill>
+          <p:spPr bwMode="auto">
+            <a:xfrm>
+              <a:off x="1091292" y="196964"/>
+              <a:ext cx="772885" cy="724579"/>
+            </a:xfrm>
+            <a:prstGeom prst="rect">
+              <a:avLst/>
+            </a:prstGeom>
+            <a:noFill/>
+            <a:extLst>
+              <a:ext uri="{909E8E84-426E-40DD-AFC4-6F175D3DCCD1}">
+                <a14:hiddenFill xmlns:a14="http://schemas.microsoft.com/office/drawing/2010/main">
+                  <a:solidFill>
+                    <a:srgbClr val="FFFFFF"/>
+                  </a:solidFill>
+                </a14:hiddenFill>
+              </a:ext>
+            </a:extLst>
+          </p:spPr>
+        </p:pic>
+      </p:grpSp>
+    </p:spTree>
+    <p:extLst>
+      <p:ext uri="{BB962C8B-B14F-4D97-AF65-F5344CB8AC3E}">
+        <p14:creationId xmlns:p14="http://schemas.microsoft.com/office/powerpoint/2010/main" val="2262909912"/>
       </p:ext>
     </p:extLst>
   </p:cSld>

--- a/Projeto SIX MIND/Documentação/User Story - Six Minds.pptx
+++ b/Projeto SIX MIND/Documentação/User Story - Six Minds.pptx
@@ -7,6 +7,9 @@
   <p:sldIdLst>
     <p:sldId id="256" r:id="rId2"/>
     <p:sldId id="257" r:id="rId3"/>
+    <p:sldId id="258" r:id="rId4"/>
+    <p:sldId id="260" r:id="rId5"/>
+    <p:sldId id="259" r:id="rId6"/>
   </p:sldIdLst>
   <p:sldSz cx="12192000" cy="6858000"/>
   <p:notesSz cx="6858000" cy="9144000"/>
@@ -268,7 +271,7 @@
           <a:p>
             <a:fld id="{D03501A8-2AC6-4575-83BF-B2066DEA3A2F}" type="datetimeFigureOut">
               <a:rPr lang="pt-BR" smtClean="0"/>
-              <a:t>01/09/2020</a:t>
+              <a:t>02/09/2020</a:t>
             </a:fld>
             <a:endParaRPr lang="pt-BR"/>
           </a:p>
@@ -466,7 +469,7 @@
           <a:p>
             <a:fld id="{D03501A8-2AC6-4575-83BF-B2066DEA3A2F}" type="datetimeFigureOut">
               <a:rPr lang="pt-BR" smtClean="0"/>
-              <a:t>01/09/2020</a:t>
+              <a:t>02/09/2020</a:t>
             </a:fld>
             <a:endParaRPr lang="pt-BR"/>
           </a:p>
@@ -674,7 +677,7 @@
           <a:p>
             <a:fld id="{D03501A8-2AC6-4575-83BF-B2066DEA3A2F}" type="datetimeFigureOut">
               <a:rPr lang="pt-BR" smtClean="0"/>
-              <a:t>01/09/2020</a:t>
+              <a:t>02/09/2020</a:t>
             </a:fld>
             <a:endParaRPr lang="pt-BR"/>
           </a:p>
@@ -872,7 +875,7 @@
           <a:p>
             <a:fld id="{D03501A8-2AC6-4575-83BF-B2066DEA3A2F}" type="datetimeFigureOut">
               <a:rPr lang="pt-BR" smtClean="0"/>
-              <a:t>01/09/2020</a:t>
+              <a:t>02/09/2020</a:t>
             </a:fld>
             <a:endParaRPr lang="pt-BR"/>
           </a:p>
@@ -1147,7 +1150,7 @@
           <a:p>
             <a:fld id="{D03501A8-2AC6-4575-83BF-B2066DEA3A2F}" type="datetimeFigureOut">
               <a:rPr lang="pt-BR" smtClean="0"/>
-              <a:t>01/09/2020</a:t>
+              <a:t>02/09/2020</a:t>
             </a:fld>
             <a:endParaRPr lang="pt-BR"/>
           </a:p>
@@ -1412,7 +1415,7 @@
           <a:p>
             <a:fld id="{D03501A8-2AC6-4575-83BF-B2066DEA3A2F}" type="datetimeFigureOut">
               <a:rPr lang="pt-BR" smtClean="0"/>
-              <a:t>01/09/2020</a:t>
+              <a:t>02/09/2020</a:t>
             </a:fld>
             <a:endParaRPr lang="pt-BR"/>
           </a:p>
@@ -1824,7 +1827,7 @@
           <a:p>
             <a:fld id="{D03501A8-2AC6-4575-83BF-B2066DEA3A2F}" type="datetimeFigureOut">
               <a:rPr lang="pt-BR" smtClean="0"/>
-              <a:t>01/09/2020</a:t>
+              <a:t>02/09/2020</a:t>
             </a:fld>
             <a:endParaRPr lang="pt-BR"/>
           </a:p>
@@ -1965,7 +1968,7 @@
           <a:p>
             <a:fld id="{D03501A8-2AC6-4575-83BF-B2066DEA3A2F}" type="datetimeFigureOut">
               <a:rPr lang="pt-BR" smtClean="0"/>
-              <a:t>01/09/2020</a:t>
+              <a:t>02/09/2020</a:t>
             </a:fld>
             <a:endParaRPr lang="pt-BR"/>
           </a:p>
@@ -2078,7 +2081,7 @@
           <a:p>
             <a:fld id="{D03501A8-2AC6-4575-83BF-B2066DEA3A2F}" type="datetimeFigureOut">
               <a:rPr lang="pt-BR" smtClean="0"/>
-              <a:t>01/09/2020</a:t>
+              <a:t>02/09/2020</a:t>
             </a:fld>
             <a:endParaRPr lang="pt-BR"/>
           </a:p>
@@ -2389,7 +2392,7 @@
           <a:p>
             <a:fld id="{D03501A8-2AC6-4575-83BF-B2066DEA3A2F}" type="datetimeFigureOut">
               <a:rPr lang="pt-BR" smtClean="0"/>
-              <a:t>01/09/2020</a:t>
+              <a:t>02/09/2020</a:t>
             </a:fld>
             <a:endParaRPr lang="pt-BR"/>
           </a:p>
@@ -2677,7 +2680,7 @@
           <a:p>
             <a:fld id="{D03501A8-2AC6-4575-83BF-B2066DEA3A2F}" type="datetimeFigureOut">
               <a:rPr lang="pt-BR" smtClean="0"/>
-              <a:t>01/09/2020</a:t>
+              <a:t>02/09/2020</a:t>
             </a:fld>
             <a:endParaRPr lang="pt-BR"/>
           </a:p>
@@ -2918,7 +2921,7 @@
           <a:p>
             <a:fld id="{D03501A8-2AC6-4575-83BF-B2066DEA3A2F}" type="datetimeFigureOut">
               <a:rPr lang="pt-BR" smtClean="0"/>
-              <a:t>01/09/2020</a:t>
+              <a:t>02/09/2020</a:t>
             </a:fld>
             <a:endParaRPr lang="pt-BR"/>
           </a:p>
@@ -3520,7 +3523,15 @@
               <a:pPr algn="ctr"/>
               <a:r>
                 <a:rPr lang="pt-BR" dirty="0"/>
-                <a:t>Eu enquanto gerenciador quero poder analisar a entrada e saída de dinheiro para cumprir balança</a:t>
+                <a:t>Eu enquanto </a:t>
+              </a:r>
+              <a:r>
+                <a:rPr lang="pt-BR" dirty="0" smtClean="0"/>
+                <a:t>cliente </a:t>
+              </a:r>
+              <a:r>
+                <a:rPr lang="pt-BR" dirty="0"/>
+                <a:t>quero poder analisar a entrada e saída de dinheiro para cumprir balança</a:t>
               </a:r>
             </a:p>
           </p:txBody>
@@ -3635,7 +3646,19 @@
               <a:pPr algn="ctr"/>
               <a:r>
                 <a:rPr lang="pt-BR" dirty="0"/>
-                <a:t>Eu enquanto analistas quero sensores para captação de dados</a:t>
+                <a:t>Eu enquanto </a:t>
+              </a:r>
+              <a:r>
+                <a:rPr lang="pt-BR" dirty="0" smtClean="0"/>
+                <a:t>cliente</a:t>
+              </a:r>
+              <a:r>
+                <a:rPr lang="pt-BR" dirty="0" smtClean="0"/>
+                <a:t> </a:t>
+              </a:r>
+              <a:r>
+                <a:rPr lang="pt-BR" dirty="0"/>
+                <a:t>quero sensores para captação de dados</a:t>
               </a:r>
             </a:p>
           </p:txBody>
@@ -3865,7 +3888,23 @@
               <a:pPr algn="ctr"/>
               <a:r>
                 <a:rPr lang="pt-BR" dirty="0"/>
-                <a:t>Eu enquanto cliente quero receber notificação para tomadas decisões mais rápida</a:t>
+                <a:t>Eu enquanto </a:t>
+              </a:r>
+              <a:r>
+                <a:rPr lang="pt-BR" dirty="0" smtClean="0"/>
+                <a:t>gerente </a:t>
+              </a:r>
+              <a:r>
+                <a:rPr lang="pt-BR" dirty="0"/>
+                <a:t>quero receber </a:t>
+              </a:r>
+              <a:r>
+                <a:rPr lang="pt-BR" dirty="0" smtClean="0"/>
+                <a:t>notificação de incidentes </a:t>
+              </a:r>
+              <a:r>
+                <a:rPr lang="pt-BR" dirty="0"/>
+                <a:t>para tomadas decisões mais rápida</a:t>
               </a:r>
             </a:p>
           </p:txBody>
@@ -3980,7 +4019,15 @@
               <a:pPr algn="ctr"/>
               <a:r>
                 <a:rPr lang="pt-BR" dirty="0"/>
-                <a:t>Eu enquanto proprietário quero ter ciência das métricas do meu plantio para auxiliar nos planejamentos</a:t>
+                <a:t>Eu enquanto </a:t>
+              </a:r>
+              <a:r>
+                <a:rPr lang="pt-BR" dirty="0" smtClean="0"/>
+                <a:t>cliente </a:t>
+              </a:r>
+              <a:r>
+                <a:rPr lang="pt-BR" dirty="0"/>
+                <a:t>quero ter ciência das métricas do meu plantio para auxiliar nos planejamentos</a:t>
               </a:r>
             </a:p>
           </p:txBody>
@@ -4210,7 +4257,15 @@
               <a:pPr algn="ctr"/>
               <a:r>
                 <a:rPr lang="pt-BR" dirty="0"/>
-                <a:t>Eu enquanto usuário </a:t>
+                <a:t>Eu enquanto </a:t>
+              </a:r>
+              <a:r>
+                <a:rPr lang="pt-BR" dirty="0" smtClean="0"/>
+                <a:t>gerente</a:t>
+              </a:r>
+              <a:r>
+                <a:rPr lang="pt-BR" dirty="0" smtClean="0"/>
+                <a:t> </a:t>
               </a:r>
               <a:r>
                 <a:rPr lang="pt-BR" dirty="0" smtClean="0"/>
@@ -4268,6 +4323,326 @@
           </p:spPr>
         </p:pic>
       </p:grpSp>
+      <p:sp>
+        <p:nvSpPr>
+          <p:cNvPr id="2" name="CaixaDeTexto 1"/>
+          <p:cNvSpPr txBox="1"/>
+          <p:nvPr/>
+        </p:nvSpPr>
+        <p:spPr>
+          <a:xfrm>
+            <a:off x="953317" y="2803463"/>
+            <a:ext cx="1048833" cy="369332"/>
+          </a:xfrm>
+          <a:prstGeom prst="rect">
+            <a:avLst/>
+          </a:prstGeom>
+          <a:solidFill>
+            <a:schemeClr val="tx1"/>
+          </a:solidFill>
+        </p:spPr>
+        <p:txBody>
+          <a:bodyPr wrap="square" rtlCol="0">
+            <a:spAutoFit/>
+          </a:bodyPr>
+          <a:lstStyle/>
+          <a:p>
+            <a:r>
+              <a:rPr lang="pt-BR" dirty="0" smtClean="0">
+                <a:solidFill>
+                  <a:schemeClr val="bg1"/>
+                </a:solidFill>
+              </a:rPr>
+              <a:t>US#0001</a:t>
+            </a:r>
+            <a:endParaRPr lang="pt-BR" dirty="0">
+              <a:solidFill>
+                <a:schemeClr val="bg1"/>
+              </a:solidFill>
+            </a:endParaRPr>
+          </a:p>
+        </p:txBody>
+      </p:sp>
+      <p:sp>
+        <p:nvSpPr>
+          <p:cNvPr id="31" name="CaixaDeTexto 30"/>
+          <p:cNvSpPr txBox="1"/>
+          <p:nvPr/>
+        </p:nvSpPr>
+        <p:spPr>
+          <a:xfrm>
+            <a:off x="4110174" y="2803463"/>
+            <a:ext cx="1048833" cy="369332"/>
+          </a:xfrm>
+          <a:prstGeom prst="rect">
+            <a:avLst/>
+          </a:prstGeom>
+          <a:solidFill>
+            <a:schemeClr val="tx1"/>
+          </a:solidFill>
+        </p:spPr>
+        <p:txBody>
+          <a:bodyPr wrap="square" rtlCol="0">
+            <a:spAutoFit/>
+          </a:bodyPr>
+          <a:lstStyle/>
+          <a:p>
+            <a:r>
+              <a:rPr lang="pt-BR" dirty="0" smtClean="0">
+                <a:solidFill>
+                  <a:schemeClr val="bg1"/>
+                </a:solidFill>
+              </a:rPr>
+              <a:t>US#0002</a:t>
+            </a:r>
+            <a:endParaRPr lang="pt-BR" dirty="0">
+              <a:solidFill>
+                <a:schemeClr val="bg1"/>
+              </a:solidFill>
+            </a:endParaRPr>
+          </a:p>
+        </p:txBody>
+      </p:sp>
+      <p:sp>
+        <p:nvSpPr>
+          <p:cNvPr id="32" name="CaixaDeTexto 31"/>
+          <p:cNvSpPr txBox="1"/>
+          <p:nvPr/>
+        </p:nvSpPr>
+        <p:spPr>
+          <a:xfrm>
+            <a:off x="7267029" y="2803463"/>
+            <a:ext cx="1048833" cy="369332"/>
+          </a:xfrm>
+          <a:prstGeom prst="rect">
+            <a:avLst/>
+          </a:prstGeom>
+          <a:solidFill>
+            <a:schemeClr val="tx1"/>
+          </a:solidFill>
+        </p:spPr>
+        <p:txBody>
+          <a:bodyPr wrap="square" rtlCol="0">
+            <a:spAutoFit/>
+          </a:bodyPr>
+          <a:lstStyle/>
+          <a:p>
+            <a:r>
+              <a:rPr lang="pt-BR" dirty="0" smtClean="0">
+                <a:solidFill>
+                  <a:schemeClr val="bg1"/>
+                </a:solidFill>
+              </a:rPr>
+              <a:t>US#0003</a:t>
+            </a:r>
+            <a:endParaRPr lang="pt-BR" dirty="0">
+              <a:solidFill>
+                <a:schemeClr val="bg1"/>
+              </a:solidFill>
+            </a:endParaRPr>
+          </a:p>
+        </p:txBody>
+      </p:sp>
+      <p:sp>
+        <p:nvSpPr>
+          <p:cNvPr id="33" name="CaixaDeTexto 32"/>
+          <p:cNvSpPr txBox="1"/>
+          <p:nvPr/>
+        </p:nvSpPr>
+        <p:spPr>
+          <a:xfrm>
+            <a:off x="10189846" y="2803463"/>
+            <a:ext cx="1048833" cy="369332"/>
+          </a:xfrm>
+          <a:prstGeom prst="rect">
+            <a:avLst/>
+          </a:prstGeom>
+          <a:solidFill>
+            <a:schemeClr val="tx1"/>
+          </a:solidFill>
+        </p:spPr>
+        <p:txBody>
+          <a:bodyPr wrap="square" rtlCol="0">
+            <a:spAutoFit/>
+          </a:bodyPr>
+          <a:lstStyle/>
+          <a:p>
+            <a:r>
+              <a:rPr lang="pt-BR" dirty="0" smtClean="0">
+                <a:solidFill>
+                  <a:schemeClr val="bg1"/>
+                </a:solidFill>
+              </a:rPr>
+              <a:t>US#0004</a:t>
+            </a:r>
+            <a:endParaRPr lang="pt-BR" dirty="0">
+              <a:solidFill>
+                <a:schemeClr val="bg1"/>
+              </a:solidFill>
+            </a:endParaRPr>
+          </a:p>
+        </p:txBody>
+      </p:sp>
+      <p:sp>
+        <p:nvSpPr>
+          <p:cNvPr id="34" name="CaixaDeTexto 33"/>
+          <p:cNvSpPr txBox="1"/>
+          <p:nvPr/>
+        </p:nvSpPr>
+        <p:spPr>
+          <a:xfrm>
+            <a:off x="953316" y="6024476"/>
+            <a:ext cx="1048833" cy="369332"/>
+          </a:xfrm>
+          <a:prstGeom prst="rect">
+            <a:avLst/>
+          </a:prstGeom>
+          <a:solidFill>
+            <a:schemeClr val="tx1"/>
+          </a:solidFill>
+        </p:spPr>
+        <p:txBody>
+          <a:bodyPr wrap="square" rtlCol="0">
+            <a:spAutoFit/>
+          </a:bodyPr>
+          <a:lstStyle/>
+          <a:p>
+            <a:r>
+              <a:rPr lang="pt-BR" dirty="0" smtClean="0">
+                <a:solidFill>
+                  <a:schemeClr val="bg1"/>
+                </a:solidFill>
+              </a:rPr>
+              <a:t>US#0005</a:t>
+            </a:r>
+            <a:endParaRPr lang="pt-BR" dirty="0">
+              <a:solidFill>
+                <a:schemeClr val="bg1"/>
+              </a:solidFill>
+            </a:endParaRPr>
+          </a:p>
+        </p:txBody>
+      </p:sp>
+      <p:sp>
+        <p:nvSpPr>
+          <p:cNvPr id="35" name="CaixaDeTexto 34"/>
+          <p:cNvSpPr txBox="1"/>
+          <p:nvPr/>
+        </p:nvSpPr>
+        <p:spPr>
+          <a:xfrm>
+            <a:off x="4077513" y="6024476"/>
+            <a:ext cx="1048833" cy="369332"/>
+          </a:xfrm>
+          <a:prstGeom prst="rect">
+            <a:avLst/>
+          </a:prstGeom>
+          <a:solidFill>
+            <a:schemeClr val="tx1"/>
+          </a:solidFill>
+        </p:spPr>
+        <p:txBody>
+          <a:bodyPr wrap="square" rtlCol="0">
+            <a:spAutoFit/>
+          </a:bodyPr>
+          <a:lstStyle/>
+          <a:p>
+            <a:r>
+              <a:rPr lang="pt-BR" dirty="0" smtClean="0">
+                <a:solidFill>
+                  <a:schemeClr val="bg1"/>
+                </a:solidFill>
+              </a:rPr>
+              <a:t>US#0006</a:t>
+            </a:r>
+            <a:endParaRPr lang="pt-BR" dirty="0">
+              <a:solidFill>
+                <a:schemeClr val="bg1"/>
+              </a:solidFill>
+            </a:endParaRPr>
+          </a:p>
+        </p:txBody>
+      </p:sp>
+      <p:sp>
+        <p:nvSpPr>
+          <p:cNvPr id="36" name="CaixaDeTexto 35"/>
+          <p:cNvSpPr txBox="1"/>
+          <p:nvPr/>
+        </p:nvSpPr>
+        <p:spPr>
+          <a:xfrm>
+            <a:off x="7267028" y="6024476"/>
+            <a:ext cx="1048833" cy="369332"/>
+          </a:xfrm>
+          <a:prstGeom prst="rect">
+            <a:avLst/>
+          </a:prstGeom>
+          <a:solidFill>
+            <a:schemeClr val="tx1"/>
+          </a:solidFill>
+        </p:spPr>
+        <p:txBody>
+          <a:bodyPr wrap="square" rtlCol="0">
+            <a:spAutoFit/>
+          </a:bodyPr>
+          <a:lstStyle/>
+          <a:p>
+            <a:r>
+              <a:rPr lang="pt-BR" dirty="0" smtClean="0">
+                <a:solidFill>
+                  <a:schemeClr val="bg1"/>
+                </a:solidFill>
+              </a:rPr>
+              <a:t>US#0007</a:t>
+            </a:r>
+            <a:endParaRPr lang="pt-BR" dirty="0">
+              <a:solidFill>
+                <a:schemeClr val="bg1"/>
+              </a:solidFill>
+            </a:endParaRPr>
+          </a:p>
+        </p:txBody>
+      </p:sp>
+      <p:sp>
+        <p:nvSpPr>
+          <p:cNvPr id="37" name="CaixaDeTexto 36"/>
+          <p:cNvSpPr txBox="1"/>
+          <p:nvPr/>
+        </p:nvSpPr>
+        <p:spPr>
+          <a:xfrm>
+            <a:off x="10189845" y="6024476"/>
+            <a:ext cx="1048833" cy="369332"/>
+          </a:xfrm>
+          <a:prstGeom prst="rect">
+            <a:avLst/>
+          </a:prstGeom>
+          <a:solidFill>
+            <a:schemeClr val="tx1"/>
+          </a:solidFill>
+        </p:spPr>
+        <p:txBody>
+          <a:bodyPr wrap="square" rtlCol="0">
+            <a:spAutoFit/>
+          </a:bodyPr>
+          <a:lstStyle/>
+          <a:p>
+            <a:r>
+              <a:rPr lang="pt-BR" dirty="0" smtClean="0">
+                <a:solidFill>
+                  <a:schemeClr val="bg1"/>
+                </a:solidFill>
+              </a:rPr>
+              <a:t>US#0008</a:t>
+            </a:r>
+            <a:endParaRPr lang="pt-BR" dirty="0">
+              <a:solidFill>
+                <a:schemeClr val="bg1"/>
+              </a:solidFill>
+            </a:endParaRPr>
+          </a:p>
+        </p:txBody>
+      </p:sp>
     </p:spTree>
     <p:extLst>
       <p:ext uri="{BB962C8B-B14F-4D97-AF65-F5344CB8AC3E}">
@@ -4364,11 +4739,7 @@
               </a:r>
               <a:r>
                 <a:rPr lang="pt-BR" dirty="0" smtClean="0"/>
-                <a:t>um sistema</a:t>
-              </a:r>
-              <a:r>
-                <a:rPr lang="pt-BR" dirty="0" smtClean="0"/>
-                <a:t> </a:t>
+                <a:t>um sistema </a:t>
               </a:r>
               <a:r>
                 <a:rPr lang="pt-BR" dirty="0"/>
@@ -4511,22 +4882,14 @@
               </a:r>
               <a:r>
                 <a:rPr lang="pt-BR" dirty="0" smtClean="0"/>
-                <a:t>configurações gráficas </a:t>
-              </a:r>
-              <a:r>
-                <a:rPr lang="pt-BR" dirty="0" smtClean="0"/>
-                <a:t>para</a:t>
+                <a:t>configurações gráficas para</a:t>
               </a:r>
             </a:p>
             <a:p>
               <a:pPr algn="ctr"/>
               <a:r>
                 <a:rPr lang="pt-BR" dirty="0" smtClean="0"/>
-                <a:t>ter melhor ciência e administração </a:t>
-              </a:r>
-              <a:r>
-                <a:rPr lang="pt-BR" dirty="0" smtClean="0"/>
-                <a:t> </a:t>
+                <a:t>ter melhor ciência e administração  </a:t>
               </a:r>
               <a:endParaRPr lang="pt-BR" dirty="0"/>
             </a:p>
@@ -4646,11 +5009,7 @@
               </a:r>
               <a:r>
                 <a:rPr lang="pt-BR" dirty="0" smtClean="0"/>
-                <a:t>uma plataforma responsiva</a:t>
-              </a:r>
-              <a:r>
-                <a:rPr lang="pt-BR" dirty="0" smtClean="0"/>
-                <a:t> </a:t>
+                <a:t>uma plataforma responsiva </a:t>
               </a:r>
               <a:r>
                 <a:rPr lang="pt-BR" dirty="0"/>
@@ -4906,11 +5265,7 @@
               </a:r>
               <a:r>
                 <a:rPr lang="pt-BR" dirty="0" smtClean="0"/>
-                <a:t>analista quero saber o status da memória para </a:t>
-              </a:r>
-              <a:r>
-                <a:rPr lang="pt-BR" dirty="0" smtClean="0"/>
-                <a:t>não ter picos ou perdas de dados</a:t>
+                <a:t>analista quero saber o status da memória para não ter picos ou perdas de dados</a:t>
               </a:r>
               <a:endParaRPr lang="pt-BR" dirty="0"/>
             </a:p>
@@ -5204,9 +5559,321 @@
           </p:spPr>
         </p:pic>
       </p:grpSp>
+      <p:sp>
+        <p:nvSpPr>
+          <p:cNvPr id="28" name="CaixaDeTexto 27"/>
+          <p:cNvSpPr txBox="1"/>
+          <p:nvPr/>
+        </p:nvSpPr>
+        <p:spPr>
+          <a:xfrm>
+            <a:off x="953317" y="2803463"/>
+            <a:ext cx="1048833" cy="369332"/>
+          </a:xfrm>
+          <a:prstGeom prst="rect">
+            <a:avLst/>
+          </a:prstGeom>
+          <a:solidFill>
+            <a:schemeClr val="tx1"/>
+          </a:solidFill>
+        </p:spPr>
+        <p:txBody>
+          <a:bodyPr wrap="square" rtlCol="0">
+            <a:spAutoFit/>
+          </a:bodyPr>
+          <a:lstStyle/>
+          <a:p>
+            <a:r>
+              <a:rPr lang="pt-BR" dirty="0" smtClean="0">
+                <a:solidFill>
+                  <a:schemeClr val="bg1"/>
+                </a:solidFill>
+              </a:rPr>
+              <a:t>US#0009</a:t>
+            </a:r>
+            <a:endParaRPr lang="pt-BR" dirty="0">
+              <a:solidFill>
+                <a:schemeClr val="bg1"/>
+              </a:solidFill>
+            </a:endParaRPr>
+          </a:p>
+        </p:txBody>
+      </p:sp>
+      <p:sp>
+        <p:nvSpPr>
+          <p:cNvPr id="29" name="CaixaDeTexto 28"/>
+          <p:cNvSpPr txBox="1"/>
+          <p:nvPr/>
+        </p:nvSpPr>
+        <p:spPr>
+          <a:xfrm>
+            <a:off x="953316" y="6055059"/>
+            <a:ext cx="1048833" cy="369332"/>
+          </a:xfrm>
+          <a:prstGeom prst="rect">
+            <a:avLst/>
+          </a:prstGeom>
+          <a:solidFill>
+            <a:schemeClr val="tx1"/>
+          </a:solidFill>
+        </p:spPr>
+        <p:txBody>
+          <a:bodyPr wrap="square" rtlCol="0">
+            <a:spAutoFit/>
+          </a:bodyPr>
+          <a:lstStyle/>
+          <a:p>
+            <a:pPr algn="ctr"/>
+            <a:r>
+              <a:rPr lang="pt-BR" dirty="0" smtClean="0">
+                <a:solidFill>
+                  <a:schemeClr val="bg1"/>
+                </a:solidFill>
+              </a:rPr>
+              <a:t>US#9.1</a:t>
+            </a:r>
+            <a:endParaRPr lang="pt-BR" dirty="0">
+              <a:solidFill>
+                <a:schemeClr val="bg1"/>
+              </a:solidFill>
+            </a:endParaRPr>
+          </a:p>
+        </p:txBody>
+      </p:sp>
+      <p:sp>
+        <p:nvSpPr>
+          <p:cNvPr id="30" name="CaixaDeTexto 29"/>
+          <p:cNvSpPr txBox="1"/>
+          <p:nvPr/>
+        </p:nvSpPr>
+        <p:spPr>
+          <a:xfrm>
+            <a:off x="4174941" y="6055059"/>
+            <a:ext cx="1048833" cy="369332"/>
+          </a:xfrm>
+          <a:prstGeom prst="rect">
+            <a:avLst/>
+          </a:prstGeom>
+          <a:solidFill>
+            <a:schemeClr val="tx1"/>
+          </a:solidFill>
+        </p:spPr>
+        <p:txBody>
+          <a:bodyPr wrap="square" rtlCol="0">
+            <a:spAutoFit/>
+          </a:bodyPr>
+          <a:lstStyle/>
+          <a:p>
+            <a:pPr algn="ctr"/>
+            <a:r>
+              <a:rPr lang="pt-BR" dirty="0" smtClean="0">
+                <a:solidFill>
+                  <a:schemeClr val="bg1"/>
+                </a:solidFill>
+              </a:rPr>
+              <a:t>US#9.2</a:t>
+            </a:r>
+            <a:endParaRPr lang="pt-BR" dirty="0">
+              <a:solidFill>
+                <a:schemeClr val="bg1"/>
+              </a:solidFill>
+            </a:endParaRPr>
+          </a:p>
+        </p:txBody>
+      </p:sp>
+      <p:sp>
+        <p:nvSpPr>
+          <p:cNvPr id="31" name="CaixaDeTexto 30"/>
+          <p:cNvSpPr txBox="1"/>
+          <p:nvPr/>
+        </p:nvSpPr>
+        <p:spPr>
+          <a:xfrm>
+            <a:off x="4174940" y="2803463"/>
+            <a:ext cx="1048833" cy="369332"/>
+          </a:xfrm>
+          <a:prstGeom prst="rect">
+            <a:avLst/>
+          </a:prstGeom>
+          <a:solidFill>
+            <a:schemeClr val="tx1"/>
+          </a:solidFill>
+        </p:spPr>
+        <p:txBody>
+          <a:bodyPr wrap="square" rtlCol="0">
+            <a:spAutoFit/>
+          </a:bodyPr>
+          <a:lstStyle/>
+          <a:p>
+            <a:r>
+              <a:rPr lang="pt-BR" dirty="0" smtClean="0">
+                <a:solidFill>
+                  <a:schemeClr val="bg1"/>
+                </a:solidFill>
+              </a:rPr>
+              <a:t>US#0009</a:t>
+            </a:r>
+            <a:endParaRPr lang="pt-BR" dirty="0">
+              <a:solidFill>
+                <a:schemeClr val="bg1"/>
+              </a:solidFill>
+            </a:endParaRPr>
+          </a:p>
+        </p:txBody>
+      </p:sp>
+      <p:sp>
+        <p:nvSpPr>
+          <p:cNvPr id="32" name="CaixaDeTexto 31"/>
+          <p:cNvSpPr txBox="1"/>
+          <p:nvPr/>
+        </p:nvSpPr>
+        <p:spPr>
+          <a:xfrm>
+            <a:off x="7396563" y="2807323"/>
+            <a:ext cx="1048833" cy="369332"/>
+          </a:xfrm>
+          <a:prstGeom prst="rect">
+            <a:avLst/>
+          </a:prstGeom>
+          <a:solidFill>
+            <a:schemeClr val="tx1"/>
+          </a:solidFill>
+        </p:spPr>
+        <p:txBody>
+          <a:bodyPr wrap="square" rtlCol="0">
+            <a:spAutoFit/>
+          </a:bodyPr>
+          <a:lstStyle/>
+          <a:p>
+            <a:r>
+              <a:rPr lang="pt-BR" dirty="0" smtClean="0">
+                <a:solidFill>
+                  <a:schemeClr val="bg1"/>
+                </a:solidFill>
+              </a:rPr>
+              <a:t>US#0009</a:t>
+            </a:r>
+            <a:endParaRPr lang="pt-BR" dirty="0">
+              <a:solidFill>
+                <a:schemeClr val="bg1"/>
+              </a:solidFill>
+            </a:endParaRPr>
+          </a:p>
+        </p:txBody>
+      </p:sp>
+      <p:sp>
+        <p:nvSpPr>
+          <p:cNvPr id="33" name="CaixaDeTexto 32"/>
+          <p:cNvSpPr txBox="1"/>
+          <p:nvPr/>
+        </p:nvSpPr>
+        <p:spPr>
+          <a:xfrm>
+            <a:off x="10327000" y="2803463"/>
+            <a:ext cx="1048833" cy="369332"/>
+          </a:xfrm>
+          <a:prstGeom prst="rect">
+            <a:avLst/>
+          </a:prstGeom>
+          <a:solidFill>
+            <a:schemeClr val="tx1"/>
+          </a:solidFill>
+        </p:spPr>
+        <p:txBody>
+          <a:bodyPr wrap="square" rtlCol="0">
+            <a:spAutoFit/>
+          </a:bodyPr>
+          <a:lstStyle/>
+          <a:p>
+            <a:r>
+              <a:rPr lang="pt-BR" dirty="0" smtClean="0">
+                <a:solidFill>
+                  <a:schemeClr val="bg1"/>
+                </a:solidFill>
+              </a:rPr>
+              <a:t>US#0009</a:t>
+            </a:r>
+            <a:endParaRPr lang="pt-BR" dirty="0">
+              <a:solidFill>
+                <a:schemeClr val="bg1"/>
+              </a:solidFill>
+            </a:endParaRPr>
+          </a:p>
+        </p:txBody>
+      </p:sp>
+      <p:sp>
+        <p:nvSpPr>
+          <p:cNvPr id="34" name="CaixaDeTexto 33"/>
+          <p:cNvSpPr txBox="1"/>
+          <p:nvPr/>
+        </p:nvSpPr>
+        <p:spPr>
+          <a:xfrm>
+            <a:off x="7339960" y="6055059"/>
+            <a:ext cx="1048833" cy="369332"/>
+          </a:xfrm>
+          <a:prstGeom prst="rect">
+            <a:avLst/>
+          </a:prstGeom>
+          <a:solidFill>
+            <a:schemeClr val="tx1"/>
+          </a:solidFill>
+        </p:spPr>
+        <p:txBody>
+          <a:bodyPr wrap="square" rtlCol="0">
+            <a:spAutoFit/>
+          </a:bodyPr>
+          <a:lstStyle/>
+          <a:p>
+            <a:r>
+              <a:rPr lang="pt-BR" dirty="0" smtClean="0">
+                <a:solidFill>
+                  <a:schemeClr val="bg1"/>
+                </a:solidFill>
+              </a:rPr>
+              <a:t>US#0009</a:t>
+            </a:r>
+            <a:endParaRPr lang="pt-BR" dirty="0">
+              <a:solidFill>
+                <a:schemeClr val="bg1"/>
+              </a:solidFill>
+            </a:endParaRPr>
+          </a:p>
+        </p:txBody>
+      </p:sp>
+    </p:spTree>
+    <p:extLst>
+      <p:ext uri="{BB962C8B-B14F-4D97-AF65-F5344CB8AC3E}">
+        <p14:creationId xmlns:p14="http://schemas.microsoft.com/office/powerpoint/2010/main" val="2262909912"/>
+      </p:ext>
+    </p:extLst>
+  </p:cSld>
+  <p:clrMapOvr>
+    <a:masterClrMapping/>
+  </p:clrMapOvr>
+</p:sld>
+</file>
+
+<file path=ppt/slides/slide3.xml><?xml version="1.0" encoding="utf-8"?>
+<p:sld xmlns:a="http://schemas.openxmlformats.org/drawingml/2006/main" xmlns:r="http://schemas.openxmlformats.org/officeDocument/2006/relationships" xmlns:p="http://schemas.openxmlformats.org/presentationml/2006/main">
+  <p:cSld>
+    <p:spTree>
+      <p:nvGrpSpPr>
+        <p:cNvPr id="1" name=""/>
+        <p:cNvGrpSpPr/>
+        <p:nvPr/>
+      </p:nvGrpSpPr>
+      <p:grpSpPr>
+        <a:xfrm>
+          <a:off x="0" y="0"/>
+          <a:ext cx="0" cy="0"/>
+          <a:chOff x="0" y="0"/>
+          <a:chExt cx="0" cy="0"/>
+        </a:xfrm>
+      </p:grpSpPr>
       <p:grpSp>
         <p:nvGrpSpPr>
-          <p:cNvPr id="25" name="Agrupar 24">
+          <p:cNvPr id="2" name="Agrupar 1">
             <a:extLst>
               <a:ext uri="{FF2B5EF4-FFF2-40B4-BE49-F238E27FC236}">
                 <a16:creationId xmlns:a16="http://schemas.microsoft.com/office/drawing/2014/main" id="{C4C93D86-376C-4D77-8848-52798F2264BD}"/>
@@ -5218,7 +5885,7 @@
         </p:nvGrpSpPr>
         <p:grpSpPr>
           <a:xfrm>
-            <a:off x="9667597" y="3448560"/>
+            <a:off x="2277715" y="3627375"/>
             <a:ext cx="2367643" cy="2791165"/>
             <a:chOff x="293914" y="196964"/>
             <a:chExt cx="2367643" cy="2791165"/>
@@ -5226,7 +5893,7 @@
         </p:grpSpPr>
         <p:sp>
           <p:nvSpPr>
-            <p:cNvPr id="26" name="Retângulo: Cantos Arredondados 13">
+            <p:cNvPr id="3" name="Retângulo: Cantos Arredondados 13">
               <a:extLst>
                 <a:ext uri="{FF2B5EF4-FFF2-40B4-BE49-F238E27FC236}">
                   <a16:creationId xmlns:a16="http://schemas.microsoft.com/office/drawing/2014/main" id="{BA87640D-12B5-4A1A-88C7-C53269C56734}"/>
@@ -5270,7 +5937,30 @@
               </a:r>
               <a:r>
                 <a:rPr lang="pt-BR" dirty="0" smtClean="0"/>
-                <a:t>cliente quero ter 99% disponibilidade para não ocorrer falhas de processo</a:t>
+                <a:t>gerente </a:t>
+              </a:r>
+              <a:r>
+                <a:rPr lang="pt-BR" dirty="0"/>
+                <a:t>quero </a:t>
+              </a:r>
+              <a:r>
+                <a:rPr lang="pt-BR" dirty="0" smtClean="0"/>
+                <a:t>interface</a:t>
+              </a:r>
+              <a:r>
+                <a:rPr lang="pt-BR" dirty="0" smtClean="0"/>
+                <a:t> </a:t>
+              </a:r>
+              <a:r>
+                <a:rPr lang="pt-BR" dirty="0" smtClean="0"/>
+                <a:t>gráficas para</a:t>
+              </a:r>
+            </a:p>
+            <a:p>
+              <a:pPr algn="ctr"/>
+              <a:r>
+                <a:rPr lang="pt-BR" dirty="0" smtClean="0"/>
+                <a:t>ter melhor ciência e administração  </a:t>
               </a:r>
               <a:endParaRPr lang="pt-BR" dirty="0"/>
             </a:p>
@@ -5278,7 +5968,7 @@
         </p:sp>
         <p:pic>
           <p:nvPicPr>
-            <p:cNvPr id="27" name="Picture 4" descr="Usuário Pessoa Pessoas - Gráfico vetorial grátis no Pixabay">
+            <p:cNvPr id="4" name="Picture 4" descr="Usuário Pessoa Pessoas - Gráfico vetorial grátis no Pixabay">
               <a:extLst>
                 <a:ext uri="{FF2B5EF4-FFF2-40B4-BE49-F238E27FC236}">
                   <a16:creationId xmlns:a16="http://schemas.microsoft.com/office/drawing/2014/main" id="{7F7A0B22-8101-4250-9466-6D307C3D75C2}"/>
@@ -5324,10 +6014,1537 @@
           </p:spPr>
         </p:pic>
       </p:grpSp>
+      <p:sp>
+        <p:nvSpPr>
+          <p:cNvPr id="11" name="CaixaDeTexto 10"/>
+          <p:cNvSpPr txBox="1"/>
+          <p:nvPr/>
+        </p:nvSpPr>
+        <p:spPr>
+          <a:xfrm>
+            <a:off x="276726" y="228600"/>
+            <a:ext cx="3184811" cy="923330"/>
+          </a:xfrm>
+          <a:prstGeom prst="rect">
+            <a:avLst/>
+          </a:prstGeom>
+          <a:noFill/>
+        </p:spPr>
+        <p:txBody>
+          <a:bodyPr wrap="square" rtlCol="0">
+            <a:spAutoFit/>
+          </a:bodyPr>
+          <a:lstStyle/>
+          <a:p>
+            <a:r>
+              <a:rPr lang="pt-BR" sz="5400" dirty="0" smtClean="0"/>
+              <a:t>Gerente:</a:t>
+            </a:r>
+            <a:endParaRPr lang="pt-BR" sz="5400" dirty="0"/>
+          </a:p>
+        </p:txBody>
+      </p:sp>
+      <p:grpSp>
+        <p:nvGrpSpPr>
+          <p:cNvPr id="12" name="Agrupar 11">
+            <a:extLst>
+              <a:ext uri="{FF2B5EF4-FFF2-40B4-BE49-F238E27FC236}">
+                <a16:creationId xmlns:a16="http://schemas.microsoft.com/office/drawing/2014/main" id="{0304B19B-E344-4376-B370-D536B34FEC57}"/>
+              </a:ext>
+            </a:extLst>
+          </p:cNvPr>
+          <p:cNvGrpSpPr/>
+          <p:nvPr/>
+        </p:nvGrpSpPr>
+        <p:grpSpPr>
+          <a:xfrm>
+            <a:off x="7750651" y="3627375"/>
+            <a:ext cx="2367643" cy="2791165"/>
+            <a:chOff x="293914" y="196964"/>
+            <a:chExt cx="2367643" cy="2791165"/>
+          </a:xfrm>
+        </p:grpSpPr>
+        <p:sp>
+          <p:nvSpPr>
+            <p:cNvPr id="13" name="Retângulo: Cantos Arredondados 19">
+              <a:extLst>
+                <a:ext uri="{FF2B5EF4-FFF2-40B4-BE49-F238E27FC236}">
+                  <a16:creationId xmlns:a16="http://schemas.microsoft.com/office/drawing/2014/main" id="{4B4106D0-95DE-4CEC-8B66-F03C8B376B98}"/>
+                </a:ext>
+              </a:extLst>
+            </p:cNvPr>
+            <p:cNvSpPr/>
+            <p:nvPr/>
+          </p:nvSpPr>
+          <p:spPr>
+            <a:xfrm>
+              <a:off x="293914" y="559254"/>
+              <a:ext cx="2367643" cy="2428875"/>
+            </a:xfrm>
+            <a:prstGeom prst="roundRect">
+              <a:avLst/>
+            </a:prstGeom>
+          </p:spPr>
+          <p:style>
+            <a:lnRef idx="1">
+              <a:schemeClr val="accent3"/>
+            </a:lnRef>
+            <a:fillRef idx="2">
+              <a:schemeClr val="accent3"/>
+            </a:fillRef>
+            <a:effectRef idx="1">
+              <a:schemeClr val="accent3"/>
+            </a:effectRef>
+            <a:fontRef idx="minor">
+              <a:schemeClr val="dk1"/>
+            </a:fontRef>
+          </p:style>
+          <p:txBody>
+            <a:bodyPr rtlCol="0" anchor="ctr"/>
+            <a:lstStyle/>
+            <a:p>
+              <a:pPr algn="ctr"/>
+              <a:r>
+                <a:rPr lang="pt-BR" dirty="0"/>
+                <a:t>Eu enquanto </a:t>
+              </a:r>
+              <a:r>
+                <a:rPr lang="pt-BR" dirty="0" smtClean="0"/>
+                <a:t>gerente </a:t>
+              </a:r>
+              <a:r>
+                <a:rPr lang="pt-BR" dirty="0"/>
+                <a:t>quero receber </a:t>
+              </a:r>
+              <a:r>
+                <a:rPr lang="pt-BR" dirty="0" smtClean="0"/>
+                <a:t>notificação de incidentes </a:t>
+              </a:r>
+              <a:r>
+                <a:rPr lang="pt-BR" dirty="0"/>
+                <a:t>para tomadas decisões mais rápida</a:t>
+              </a:r>
+            </a:p>
+          </p:txBody>
+        </p:sp>
+        <p:pic>
+          <p:nvPicPr>
+            <p:cNvPr id="14" name="Picture 4" descr="Usuário Pessoa Pessoas - Gráfico vetorial grátis no Pixabay">
+              <a:extLst>
+                <a:ext uri="{FF2B5EF4-FFF2-40B4-BE49-F238E27FC236}">
+                  <a16:creationId xmlns:a16="http://schemas.microsoft.com/office/drawing/2014/main" id="{D500D48B-9AF1-4885-9D5A-4E2253235531}"/>
+                </a:ext>
+              </a:extLst>
+            </p:cNvPr>
+            <p:cNvPicPr>
+              <a:picLocks noChangeAspect="1" noChangeArrowheads="1"/>
+            </p:cNvPicPr>
+            <p:nvPr/>
+          </p:nvPicPr>
+          <p:blipFill>
+            <a:blip r:embed="rId2" cstate="hqprint">
+              <a:extLst>
+                <a:ext uri="{28A0092B-C50C-407E-A947-70E740481C1C}">
+                  <a14:useLocalDpi xmlns:a14="http://schemas.microsoft.com/office/drawing/2010/main" val="0"/>
+                </a:ext>
+              </a:extLst>
+            </a:blip>
+            <a:srcRect/>
+            <a:stretch>
+              <a:fillRect/>
+            </a:stretch>
+          </p:blipFill>
+          <p:spPr bwMode="auto">
+            <a:xfrm>
+              <a:off x="1091292" y="196964"/>
+              <a:ext cx="772885" cy="724579"/>
+            </a:xfrm>
+            <a:prstGeom prst="rect">
+              <a:avLst/>
+            </a:prstGeom>
+            <a:noFill/>
+            <a:extLst>
+              <a:ext uri="{909E8E84-426E-40DD-AFC4-6F175D3DCCD1}">
+                <a14:hiddenFill xmlns:a14="http://schemas.microsoft.com/office/drawing/2010/main">
+                  <a:solidFill>
+                    <a:srgbClr val="FFFFFF"/>
+                  </a:solidFill>
+                </a14:hiddenFill>
+              </a:ext>
+            </a:extLst>
+          </p:spPr>
+        </p:pic>
+      </p:grpSp>
+      <p:grpSp>
+        <p:nvGrpSpPr>
+          <p:cNvPr id="15" name="Agrupar 14">
+            <a:extLst>
+              <a:ext uri="{FF2B5EF4-FFF2-40B4-BE49-F238E27FC236}">
+                <a16:creationId xmlns:a16="http://schemas.microsoft.com/office/drawing/2014/main" id="{77C3BBB0-8D59-43D2-9BE1-766FAE9C0BA6}"/>
+              </a:ext>
+            </a:extLst>
+          </p:cNvPr>
+          <p:cNvGrpSpPr/>
+          <p:nvPr/>
+        </p:nvGrpSpPr>
+        <p:grpSpPr>
+          <a:xfrm>
+            <a:off x="4784506" y="690265"/>
+            <a:ext cx="2367643" cy="2791165"/>
+            <a:chOff x="293914" y="196964"/>
+            <a:chExt cx="2367643" cy="2791165"/>
+          </a:xfrm>
+        </p:grpSpPr>
+        <p:sp>
+          <p:nvSpPr>
+            <p:cNvPr id="16" name="Retângulo: Cantos Arredondados 3">
+              <a:extLst>
+                <a:ext uri="{FF2B5EF4-FFF2-40B4-BE49-F238E27FC236}">
+                  <a16:creationId xmlns:a16="http://schemas.microsoft.com/office/drawing/2014/main" id="{C1CDD6C3-10F8-4311-8617-85087E6F1154}"/>
+                </a:ext>
+              </a:extLst>
+            </p:cNvPr>
+            <p:cNvSpPr/>
+            <p:nvPr/>
+          </p:nvSpPr>
+          <p:spPr>
+            <a:xfrm>
+              <a:off x="293914" y="559254"/>
+              <a:ext cx="2367643" cy="2428875"/>
+            </a:xfrm>
+            <a:prstGeom prst="roundRect">
+              <a:avLst/>
+            </a:prstGeom>
+          </p:spPr>
+          <p:style>
+            <a:lnRef idx="1">
+              <a:schemeClr val="accent3"/>
+            </a:lnRef>
+            <a:fillRef idx="2">
+              <a:schemeClr val="accent3"/>
+            </a:fillRef>
+            <a:effectRef idx="1">
+              <a:schemeClr val="accent3"/>
+            </a:effectRef>
+            <a:fontRef idx="minor">
+              <a:schemeClr val="dk1"/>
+            </a:fontRef>
+          </p:style>
+          <p:txBody>
+            <a:bodyPr rtlCol="0" anchor="ctr"/>
+            <a:lstStyle/>
+            <a:p>
+              <a:pPr algn="ctr"/>
+              <a:r>
+                <a:rPr lang="pt-BR" dirty="0"/>
+                <a:t>Eu enquanto </a:t>
+              </a:r>
+              <a:r>
+                <a:rPr lang="pt-BR" dirty="0" smtClean="0"/>
+                <a:t>gerente</a:t>
+              </a:r>
+              <a:r>
+                <a:rPr lang="pt-BR" dirty="0" smtClean="0"/>
+                <a:t> </a:t>
+              </a:r>
+              <a:r>
+                <a:rPr lang="pt-BR" dirty="0" smtClean="0"/>
+                <a:t>quero acessos aos dados para </a:t>
+              </a:r>
+              <a:r>
+                <a:rPr lang="pt-BR" dirty="0" smtClean="0"/>
+                <a:t>estar ciente de possíveis avanços </a:t>
+              </a:r>
+              <a:r>
+                <a:rPr lang="pt-BR" dirty="0" smtClean="0"/>
+                <a:t>ou recuos </a:t>
+              </a:r>
+              <a:endParaRPr lang="pt-BR" dirty="0"/>
+            </a:p>
+          </p:txBody>
+        </p:sp>
+        <p:pic>
+          <p:nvPicPr>
+            <p:cNvPr id="17" name="Picture 4" descr="Usuário Pessoa Pessoas - Gráfico vetorial grátis no Pixabay">
+              <a:extLst>
+                <a:ext uri="{FF2B5EF4-FFF2-40B4-BE49-F238E27FC236}">
+                  <a16:creationId xmlns:a16="http://schemas.microsoft.com/office/drawing/2014/main" id="{69FE7E5F-7C9C-4677-9614-96E3546E9710}"/>
+                </a:ext>
+              </a:extLst>
+            </p:cNvPr>
+            <p:cNvPicPr>
+              <a:picLocks noChangeAspect="1" noChangeArrowheads="1"/>
+            </p:cNvPicPr>
+            <p:nvPr/>
+          </p:nvPicPr>
+          <p:blipFill>
+            <a:blip r:embed="rId2" cstate="hqprint">
+              <a:extLst>
+                <a:ext uri="{28A0092B-C50C-407E-A947-70E740481C1C}">
+                  <a14:useLocalDpi xmlns:a14="http://schemas.microsoft.com/office/drawing/2010/main" val="0"/>
+                </a:ext>
+              </a:extLst>
+            </a:blip>
+            <a:srcRect/>
+            <a:stretch>
+              <a:fillRect/>
+            </a:stretch>
+          </p:blipFill>
+          <p:spPr bwMode="auto">
+            <a:xfrm>
+              <a:off x="1091292" y="196964"/>
+              <a:ext cx="772885" cy="724579"/>
+            </a:xfrm>
+            <a:prstGeom prst="rect">
+              <a:avLst/>
+            </a:prstGeom>
+            <a:noFill/>
+            <a:extLst>
+              <a:ext uri="{909E8E84-426E-40DD-AFC4-6F175D3DCCD1}">
+                <a14:hiddenFill xmlns:a14="http://schemas.microsoft.com/office/drawing/2010/main">
+                  <a:solidFill>
+                    <a:srgbClr val="FFFFFF"/>
+                  </a:solidFill>
+                </a14:hiddenFill>
+              </a:ext>
+            </a:extLst>
+          </p:spPr>
+        </p:pic>
+      </p:grpSp>
+      <p:sp>
+        <p:nvSpPr>
+          <p:cNvPr id="18" name="Retângulo: Cantos Arredondados 19">
+            <a:extLst>
+              <a:ext uri="{FF2B5EF4-FFF2-40B4-BE49-F238E27FC236}">
+                <a16:creationId xmlns:a16="http://schemas.microsoft.com/office/drawing/2014/main" id="{4B4106D0-95DE-4CEC-8B66-F03C8B376B98}"/>
+              </a:ext>
+            </a:extLst>
+          </p:cNvPr>
+          <p:cNvSpPr/>
+          <p:nvPr/>
+        </p:nvSpPr>
+        <p:spPr>
+          <a:xfrm>
+            <a:off x="5014182" y="3989665"/>
+            <a:ext cx="2367643" cy="2428875"/>
+          </a:xfrm>
+          <a:prstGeom prst="roundRect">
+            <a:avLst/>
+          </a:prstGeom>
+        </p:spPr>
+        <p:style>
+          <a:lnRef idx="1">
+            <a:schemeClr val="accent3"/>
+          </a:lnRef>
+          <a:fillRef idx="2">
+            <a:schemeClr val="accent3"/>
+          </a:fillRef>
+          <a:effectRef idx="1">
+            <a:schemeClr val="accent3"/>
+          </a:effectRef>
+          <a:fontRef idx="minor">
+            <a:schemeClr val="dk1"/>
+          </a:fontRef>
+        </p:style>
+        <p:txBody>
+          <a:bodyPr rtlCol="0" anchor="ctr"/>
+          <a:lstStyle/>
+          <a:p>
+            <a:pPr algn="ctr"/>
+            <a:r>
+              <a:rPr lang="pt-BR" dirty="0"/>
+              <a:t>Eu enquanto </a:t>
+            </a:r>
+            <a:r>
+              <a:rPr lang="pt-BR" dirty="0" smtClean="0"/>
+              <a:t>gerente </a:t>
+            </a:r>
+            <a:r>
+              <a:rPr lang="pt-BR" dirty="0"/>
+              <a:t>quero </a:t>
+            </a:r>
+            <a:r>
+              <a:rPr lang="pt-BR" dirty="0" smtClean="0"/>
+              <a:t>relatório dos problemas</a:t>
+            </a:r>
+            <a:r>
+              <a:rPr lang="pt-BR" dirty="0" smtClean="0"/>
+              <a:t> </a:t>
+            </a:r>
+            <a:r>
+              <a:rPr lang="pt-BR" dirty="0" smtClean="0"/>
+              <a:t>para uma ação mais direta</a:t>
+            </a:r>
+            <a:endParaRPr lang="pt-BR" dirty="0"/>
+          </a:p>
+        </p:txBody>
+      </p:sp>
+      <p:pic>
+        <p:nvPicPr>
+          <p:cNvPr id="19" name="Picture 4" descr="Usuário Pessoa Pessoas - Gráfico vetorial grátis no Pixabay">
+            <a:extLst>
+              <a:ext uri="{FF2B5EF4-FFF2-40B4-BE49-F238E27FC236}">
+                <a16:creationId xmlns:a16="http://schemas.microsoft.com/office/drawing/2014/main" id="{D500D48B-9AF1-4885-9D5A-4E2253235531}"/>
+              </a:ext>
+            </a:extLst>
+          </p:cNvPr>
+          <p:cNvPicPr>
+            <a:picLocks noChangeAspect="1" noChangeArrowheads="1"/>
+          </p:cNvPicPr>
+          <p:nvPr/>
+        </p:nvPicPr>
+        <p:blipFill>
+          <a:blip r:embed="rId2" cstate="hqprint">
+            <a:extLst>
+              <a:ext uri="{28A0092B-C50C-407E-A947-70E740481C1C}">
+                <a14:useLocalDpi xmlns:a14="http://schemas.microsoft.com/office/drawing/2010/main" val="0"/>
+              </a:ext>
+            </a:extLst>
+          </a:blip>
+          <a:srcRect/>
+          <a:stretch>
+            <a:fillRect/>
+          </a:stretch>
+        </p:blipFill>
+        <p:spPr bwMode="auto">
+          <a:xfrm>
+            <a:off x="5811560" y="3627375"/>
+            <a:ext cx="772885" cy="724579"/>
+          </a:xfrm>
+          <a:prstGeom prst="rect">
+            <a:avLst/>
+          </a:prstGeom>
+          <a:noFill/>
+          <a:extLst>
+            <a:ext uri="{909E8E84-426E-40DD-AFC4-6F175D3DCCD1}">
+              <a14:hiddenFill xmlns:a14="http://schemas.microsoft.com/office/drawing/2010/main">
+                <a:solidFill>
+                  <a:srgbClr val="FFFFFF"/>
+                </a:solidFill>
+              </a14:hiddenFill>
+            </a:ext>
+          </a:extLst>
+        </p:spPr>
+      </p:pic>
     </p:spTree>
     <p:extLst>
       <p:ext uri="{BB962C8B-B14F-4D97-AF65-F5344CB8AC3E}">
-        <p14:creationId xmlns:p14="http://schemas.microsoft.com/office/powerpoint/2010/main" val="2262909912"/>
+        <p14:creationId xmlns:p14="http://schemas.microsoft.com/office/powerpoint/2010/main" val="2318619438"/>
+      </p:ext>
+    </p:extLst>
+  </p:cSld>
+  <p:clrMapOvr>
+    <a:masterClrMapping/>
+  </p:clrMapOvr>
+</p:sld>
+</file>
+
+<file path=ppt/slides/slide4.xml><?xml version="1.0" encoding="utf-8"?>
+<p:sld xmlns:a="http://schemas.openxmlformats.org/drawingml/2006/main" xmlns:r="http://schemas.openxmlformats.org/officeDocument/2006/relationships" xmlns:p="http://schemas.openxmlformats.org/presentationml/2006/main">
+  <p:cSld>
+    <p:spTree>
+      <p:nvGrpSpPr>
+        <p:cNvPr id="1" name=""/>
+        <p:cNvGrpSpPr/>
+        <p:nvPr/>
+      </p:nvGrpSpPr>
+      <p:grpSpPr>
+        <a:xfrm>
+          <a:off x="0" y="0"/>
+          <a:ext cx="0" cy="0"/>
+          <a:chOff x="0" y="0"/>
+          <a:chExt cx="0" cy="0"/>
+        </a:xfrm>
+      </p:grpSpPr>
+      <p:sp>
+        <p:nvSpPr>
+          <p:cNvPr id="2" name="CaixaDeTexto 1"/>
+          <p:cNvSpPr txBox="1"/>
+          <p:nvPr/>
+        </p:nvSpPr>
+        <p:spPr>
+          <a:xfrm>
+            <a:off x="276726" y="228600"/>
+            <a:ext cx="3184811" cy="923330"/>
+          </a:xfrm>
+          <a:prstGeom prst="rect">
+            <a:avLst/>
+          </a:prstGeom>
+          <a:noFill/>
+        </p:spPr>
+        <p:txBody>
+          <a:bodyPr wrap="square" rtlCol="0">
+            <a:spAutoFit/>
+          </a:bodyPr>
+          <a:lstStyle/>
+          <a:p>
+            <a:r>
+              <a:rPr lang="pt-BR" sz="5400" dirty="0" smtClean="0"/>
+              <a:t>Analista:</a:t>
+            </a:r>
+            <a:endParaRPr lang="pt-BR" sz="5400" dirty="0"/>
+          </a:p>
+        </p:txBody>
+      </p:sp>
+      <p:grpSp>
+        <p:nvGrpSpPr>
+          <p:cNvPr id="3" name="Agrupar 2">
+            <a:extLst>
+              <a:ext uri="{FF2B5EF4-FFF2-40B4-BE49-F238E27FC236}">
+                <a16:creationId xmlns:a16="http://schemas.microsoft.com/office/drawing/2014/main" id="{C4C93D86-376C-4D77-8848-52798F2264BD}"/>
+              </a:ext>
+            </a:extLst>
+          </p:cNvPr>
+          <p:cNvGrpSpPr/>
+          <p:nvPr/>
+        </p:nvGrpSpPr>
+        <p:grpSpPr>
+          <a:xfrm>
+            <a:off x="5056293" y="348680"/>
+            <a:ext cx="2367643" cy="2791165"/>
+            <a:chOff x="293914" y="196964"/>
+            <a:chExt cx="2367643" cy="2791165"/>
+          </a:xfrm>
+        </p:grpSpPr>
+        <p:sp>
+          <p:nvSpPr>
+            <p:cNvPr id="4" name="Retângulo: Cantos Arredondados 13">
+              <a:extLst>
+                <a:ext uri="{FF2B5EF4-FFF2-40B4-BE49-F238E27FC236}">
+                  <a16:creationId xmlns:a16="http://schemas.microsoft.com/office/drawing/2014/main" id="{BA87640D-12B5-4A1A-88C7-C53269C56734}"/>
+                </a:ext>
+              </a:extLst>
+            </p:cNvPr>
+            <p:cNvSpPr/>
+            <p:nvPr/>
+          </p:nvSpPr>
+          <p:spPr>
+            <a:xfrm>
+              <a:off x="293914" y="559254"/>
+              <a:ext cx="2367643" cy="2428875"/>
+            </a:xfrm>
+            <a:prstGeom prst="roundRect">
+              <a:avLst/>
+            </a:prstGeom>
+          </p:spPr>
+          <p:style>
+            <a:lnRef idx="1">
+              <a:schemeClr val="accent3"/>
+            </a:lnRef>
+            <a:fillRef idx="2">
+              <a:schemeClr val="accent3"/>
+            </a:fillRef>
+            <a:effectRef idx="1">
+              <a:schemeClr val="accent3"/>
+            </a:effectRef>
+            <a:fontRef idx="minor">
+              <a:schemeClr val="dk1"/>
+            </a:fontRef>
+          </p:style>
+          <p:txBody>
+            <a:bodyPr rtlCol="0" anchor="ctr"/>
+            <a:lstStyle/>
+            <a:p>
+              <a:pPr algn="ctr"/>
+              <a:r>
+                <a:rPr lang="pt-BR" dirty="0"/>
+                <a:t>Eu enquanto analistas quero </a:t>
+              </a:r>
+              <a:r>
+                <a:rPr lang="pt-BR" dirty="0" smtClean="0"/>
+                <a:t>um sistema </a:t>
+              </a:r>
+              <a:r>
+                <a:rPr lang="pt-BR" dirty="0"/>
+                <a:t>para captação de </a:t>
+              </a:r>
+              <a:r>
+                <a:rPr lang="pt-BR" dirty="0" smtClean="0"/>
+                <a:t>dados</a:t>
+              </a:r>
+            </a:p>
+            <a:p>
+              <a:pPr algn="ctr"/>
+              <a:r>
+                <a:rPr lang="pt-BR" dirty="0" smtClean="0"/>
+                <a:t>máquina </a:t>
+              </a:r>
+              <a:endParaRPr lang="pt-BR" dirty="0"/>
+            </a:p>
+          </p:txBody>
+        </p:sp>
+        <p:pic>
+          <p:nvPicPr>
+            <p:cNvPr id="5" name="Picture 4" descr="Usuário Pessoa Pessoas - Gráfico vetorial grátis no Pixabay">
+              <a:extLst>
+                <a:ext uri="{FF2B5EF4-FFF2-40B4-BE49-F238E27FC236}">
+                  <a16:creationId xmlns:a16="http://schemas.microsoft.com/office/drawing/2014/main" id="{7F7A0B22-8101-4250-9466-6D307C3D75C2}"/>
+                </a:ext>
+              </a:extLst>
+            </p:cNvPr>
+            <p:cNvPicPr>
+              <a:picLocks noChangeAspect="1" noChangeArrowheads="1"/>
+            </p:cNvPicPr>
+            <p:nvPr/>
+          </p:nvPicPr>
+          <p:blipFill>
+            <a:blip r:embed="rId2" cstate="hqprint">
+              <a:extLst>
+                <a:ext uri="{28A0092B-C50C-407E-A947-70E740481C1C}">
+                  <a14:useLocalDpi xmlns:a14="http://schemas.microsoft.com/office/drawing/2010/main" val="0"/>
+                </a:ext>
+              </a:extLst>
+            </a:blip>
+            <a:srcRect/>
+            <a:stretch>
+              <a:fillRect/>
+            </a:stretch>
+          </p:blipFill>
+          <p:spPr bwMode="auto">
+            <a:xfrm>
+              <a:off x="1091292" y="196964"/>
+              <a:ext cx="772885" cy="724579"/>
+            </a:xfrm>
+            <a:prstGeom prst="rect">
+              <a:avLst/>
+            </a:prstGeom>
+            <a:noFill/>
+            <a:extLst>
+              <a:ext uri="{909E8E84-426E-40DD-AFC4-6F175D3DCCD1}">
+                <a14:hiddenFill xmlns:a14="http://schemas.microsoft.com/office/drawing/2010/main">
+                  <a:solidFill>
+                    <a:srgbClr val="FFFFFF"/>
+                  </a:solidFill>
+                </a14:hiddenFill>
+              </a:ext>
+            </a:extLst>
+          </p:spPr>
+        </p:pic>
+      </p:grpSp>
+      <p:grpSp>
+        <p:nvGrpSpPr>
+          <p:cNvPr id="6" name="Agrupar 5">
+            <a:extLst>
+              <a:ext uri="{FF2B5EF4-FFF2-40B4-BE49-F238E27FC236}">
+                <a16:creationId xmlns:a16="http://schemas.microsoft.com/office/drawing/2014/main" id="{C4C93D86-376C-4D77-8848-52798F2264BD}"/>
+              </a:ext>
+            </a:extLst>
+          </p:cNvPr>
+          <p:cNvGrpSpPr/>
+          <p:nvPr/>
+        </p:nvGrpSpPr>
+        <p:grpSpPr>
+          <a:xfrm>
+            <a:off x="1891274" y="3810849"/>
+            <a:ext cx="2367643" cy="2791165"/>
+            <a:chOff x="293914" y="196964"/>
+            <a:chExt cx="2367643" cy="2791165"/>
+          </a:xfrm>
+        </p:grpSpPr>
+        <p:sp>
+          <p:nvSpPr>
+            <p:cNvPr id="7" name="Retângulo: Cantos Arredondados 13">
+              <a:extLst>
+                <a:ext uri="{FF2B5EF4-FFF2-40B4-BE49-F238E27FC236}">
+                  <a16:creationId xmlns:a16="http://schemas.microsoft.com/office/drawing/2014/main" id="{BA87640D-12B5-4A1A-88C7-C53269C56734}"/>
+                </a:ext>
+              </a:extLst>
+            </p:cNvPr>
+            <p:cNvSpPr/>
+            <p:nvPr/>
+          </p:nvSpPr>
+          <p:spPr>
+            <a:xfrm>
+              <a:off x="293914" y="559254"/>
+              <a:ext cx="2367643" cy="2428875"/>
+            </a:xfrm>
+            <a:prstGeom prst="roundRect">
+              <a:avLst/>
+            </a:prstGeom>
+          </p:spPr>
+          <p:style>
+            <a:lnRef idx="1">
+              <a:schemeClr val="accent3"/>
+            </a:lnRef>
+            <a:fillRef idx="2">
+              <a:schemeClr val="accent3"/>
+            </a:fillRef>
+            <a:effectRef idx="1">
+              <a:schemeClr val="accent3"/>
+            </a:effectRef>
+            <a:fontRef idx="minor">
+              <a:schemeClr val="dk1"/>
+            </a:fontRef>
+          </p:style>
+          <p:txBody>
+            <a:bodyPr rtlCol="0" anchor="ctr"/>
+            <a:lstStyle/>
+            <a:p>
+              <a:pPr algn="ctr"/>
+              <a:r>
+                <a:rPr lang="pt-BR" dirty="0"/>
+                <a:t>Eu enquanto </a:t>
+              </a:r>
+              <a:r>
+                <a:rPr lang="pt-BR" dirty="0" smtClean="0"/>
+                <a:t>analista quero saber o status da memória virtual para não haver sobrecarga</a:t>
+              </a:r>
+              <a:endParaRPr lang="pt-BR" dirty="0"/>
+            </a:p>
+          </p:txBody>
+        </p:sp>
+        <p:pic>
+          <p:nvPicPr>
+            <p:cNvPr id="8" name="Picture 4" descr="Usuário Pessoa Pessoas - Gráfico vetorial grátis no Pixabay">
+              <a:extLst>
+                <a:ext uri="{FF2B5EF4-FFF2-40B4-BE49-F238E27FC236}">
+                  <a16:creationId xmlns:a16="http://schemas.microsoft.com/office/drawing/2014/main" id="{7F7A0B22-8101-4250-9466-6D307C3D75C2}"/>
+                </a:ext>
+              </a:extLst>
+            </p:cNvPr>
+            <p:cNvPicPr>
+              <a:picLocks noChangeAspect="1" noChangeArrowheads="1"/>
+            </p:cNvPicPr>
+            <p:nvPr/>
+          </p:nvPicPr>
+          <p:blipFill>
+            <a:blip r:embed="rId2" cstate="hqprint">
+              <a:extLst>
+                <a:ext uri="{28A0092B-C50C-407E-A947-70E740481C1C}">
+                  <a14:useLocalDpi xmlns:a14="http://schemas.microsoft.com/office/drawing/2010/main" val="0"/>
+                </a:ext>
+              </a:extLst>
+            </a:blip>
+            <a:srcRect/>
+            <a:stretch>
+              <a:fillRect/>
+            </a:stretch>
+          </p:blipFill>
+          <p:spPr bwMode="auto">
+            <a:xfrm>
+              <a:off x="1091292" y="196964"/>
+              <a:ext cx="772885" cy="724579"/>
+            </a:xfrm>
+            <a:prstGeom prst="rect">
+              <a:avLst/>
+            </a:prstGeom>
+            <a:noFill/>
+            <a:extLst>
+              <a:ext uri="{909E8E84-426E-40DD-AFC4-6F175D3DCCD1}">
+                <a14:hiddenFill xmlns:a14="http://schemas.microsoft.com/office/drawing/2010/main">
+                  <a:solidFill>
+                    <a:srgbClr val="FFFFFF"/>
+                  </a:solidFill>
+                </a14:hiddenFill>
+              </a:ext>
+            </a:extLst>
+          </p:spPr>
+        </p:pic>
+      </p:grpSp>
+      <p:grpSp>
+        <p:nvGrpSpPr>
+          <p:cNvPr id="15" name="Agrupar 14">
+            <a:extLst>
+              <a:ext uri="{FF2B5EF4-FFF2-40B4-BE49-F238E27FC236}">
+                <a16:creationId xmlns:a16="http://schemas.microsoft.com/office/drawing/2014/main" id="{C4C93D86-376C-4D77-8848-52798F2264BD}"/>
+              </a:ext>
+            </a:extLst>
+          </p:cNvPr>
+          <p:cNvGrpSpPr/>
+          <p:nvPr/>
+        </p:nvGrpSpPr>
+        <p:grpSpPr>
+          <a:xfrm>
+            <a:off x="8221314" y="3810849"/>
+            <a:ext cx="2367643" cy="2791165"/>
+            <a:chOff x="293914" y="196964"/>
+            <a:chExt cx="2367643" cy="2791165"/>
+          </a:xfrm>
+        </p:grpSpPr>
+        <p:sp>
+          <p:nvSpPr>
+            <p:cNvPr id="16" name="Retângulo: Cantos Arredondados 13">
+              <a:extLst>
+                <a:ext uri="{FF2B5EF4-FFF2-40B4-BE49-F238E27FC236}">
+                  <a16:creationId xmlns:a16="http://schemas.microsoft.com/office/drawing/2014/main" id="{BA87640D-12B5-4A1A-88C7-C53269C56734}"/>
+                </a:ext>
+              </a:extLst>
+            </p:cNvPr>
+            <p:cNvSpPr/>
+            <p:nvPr/>
+          </p:nvSpPr>
+          <p:spPr>
+            <a:xfrm>
+              <a:off x="293914" y="559254"/>
+              <a:ext cx="2367643" cy="2428875"/>
+            </a:xfrm>
+            <a:prstGeom prst="roundRect">
+              <a:avLst/>
+            </a:prstGeom>
+          </p:spPr>
+          <p:style>
+            <a:lnRef idx="1">
+              <a:schemeClr val="accent3"/>
+            </a:lnRef>
+            <a:fillRef idx="2">
+              <a:schemeClr val="accent3"/>
+            </a:fillRef>
+            <a:effectRef idx="1">
+              <a:schemeClr val="accent3"/>
+            </a:effectRef>
+            <a:fontRef idx="minor">
+              <a:schemeClr val="dk1"/>
+            </a:fontRef>
+          </p:style>
+          <p:txBody>
+            <a:bodyPr rtlCol="0" anchor="ctr"/>
+            <a:lstStyle/>
+            <a:p>
+              <a:pPr algn="ctr"/>
+              <a:r>
+                <a:rPr lang="pt-BR" dirty="0"/>
+                <a:t>Eu enquanto </a:t>
+              </a:r>
+              <a:r>
+                <a:rPr lang="pt-BR" dirty="0" smtClean="0"/>
+                <a:t>analista quero </a:t>
+              </a:r>
+              <a:r>
+                <a:rPr lang="pt-BR" dirty="0" smtClean="0"/>
+                <a:t>que o sistema seja hospedado em nuvem para evitar gastos desnecessário </a:t>
+              </a:r>
+              <a:endParaRPr lang="pt-BR" dirty="0"/>
+            </a:p>
+          </p:txBody>
+        </p:sp>
+        <p:pic>
+          <p:nvPicPr>
+            <p:cNvPr id="17" name="Picture 4" descr="Usuário Pessoa Pessoas - Gráfico vetorial grátis no Pixabay">
+              <a:extLst>
+                <a:ext uri="{FF2B5EF4-FFF2-40B4-BE49-F238E27FC236}">
+                  <a16:creationId xmlns:a16="http://schemas.microsoft.com/office/drawing/2014/main" id="{7F7A0B22-8101-4250-9466-6D307C3D75C2}"/>
+                </a:ext>
+              </a:extLst>
+            </p:cNvPr>
+            <p:cNvPicPr>
+              <a:picLocks noChangeAspect="1" noChangeArrowheads="1"/>
+            </p:cNvPicPr>
+            <p:nvPr/>
+          </p:nvPicPr>
+          <p:blipFill>
+            <a:blip r:embed="rId2" cstate="hqprint">
+              <a:extLst>
+                <a:ext uri="{28A0092B-C50C-407E-A947-70E740481C1C}">
+                  <a14:useLocalDpi xmlns:a14="http://schemas.microsoft.com/office/drawing/2010/main" val="0"/>
+                </a:ext>
+              </a:extLst>
+            </a:blip>
+            <a:srcRect/>
+            <a:stretch>
+              <a:fillRect/>
+            </a:stretch>
+          </p:blipFill>
+          <p:spPr bwMode="auto">
+            <a:xfrm>
+              <a:off x="1091292" y="196964"/>
+              <a:ext cx="772885" cy="724579"/>
+            </a:xfrm>
+            <a:prstGeom prst="rect">
+              <a:avLst/>
+            </a:prstGeom>
+            <a:noFill/>
+            <a:extLst>
+              <a:ext uri="{909E8E84-426E-40DD-AFC4-6F175D3DCCD1}">
+                <a14:hiddenFill xmlns:a14="http://schemas.microsoft.com/office/drawing/2010/main">
+                  <a:solidFill>
+                    <a:srgbClr val="FFFFFF"/>
+                  </a:solidFill>
+                </a14:hiddenFill>
+              </a:ext>
+            </a:extLst>
+          </p:spPr>
+        </p:pic>
+      </p:grpSp>
+      <p:grpSp>
+        <p:nvGrpSpPr>
+          <p:cNvPr id="18" name="Agrupar 17">
+            <a:extLst>
+              <a:ext uri="{FF2B5EF4-FFF2-40B4-BE49-F238E27FC236}">
+                <a16:creationId xmlns:a16="http://schemas.microsoft.com/office/drawing/2014/main" id="{C4C93D86-376C-4D77-8848-52798F2264BD}"/>
+              </a:ext>
+            </a:extLst>
+          </p:cNvPr>
+          <p:cNvGrpSpPr/>
+          <p:nvPr/>
+        </p:nvGrpSpPr>
+        <p:grpSpPr>
+          <a:xfrm>
+            <a:off x="5056295" y="3810849"/>
+            <a:ext cx="2367643" cy="2791165"/>
+            <a:chOff x="293914" y="196964"/>
+            <a:chExt cx="2367643" cy="2791165"/>
+          </a:xfrm>
+        </p:grpSpPr>
+        <p:sp>
+          <p:nvSpPr>
+            <p:cNvPr id="19" name="Retângulo: Cantos Arredondados 13">
+              <a:extLst>
+                <a:ext uri="{FF2B5EF4-FFF2-40B4-BE49-F238E27FC236}">
+                  <a16:creationId xmlns:a16="http://schemas.microsoft.com/office/drawing/2014/main" id="{BA87640D-12B5-4A1A-88C7-C53269C56734}"/>
+                </a:ext>
+              </a:extLst>
+            </p:cNvPr>
+            <p:cNvSpPr/>
+            <p:nvPr/>
+          </p:nvSpPr>
+          <p:spPr>
+            <a:xfrm>
+              <a:off x="293914" y="559254"/>
+              <a:ext cx="2367643" cy="2428875"/>
+            </a:xfrm>
+            <a:prstGeom prst="roundRect">
+              <a:avLst/>
+            </a:prstGeom>
+          </p:spPr>
+          <p:style>
+            <a:lnRef idx="1">
+              <a:schemeClr val="accent3"/>
+            </a:lnRef>
+            <a:fillRef idx="2">
+              <a:schemeClr val="accent3"/>
+            </a:fillRef>
+            <a:effectRef idx="1">
+              <a:schemeClr val="accent3"/>
+            </a:effectRef>
+            <a:fontRef idx="minor">
+              <a:schemeClr val="dk1"/>
+            </a:fontRef>
+          </p:style>
+          <p:txBody>
+            <a:bodyPr rtlCol="0" anchor="ctr"/>
+            <a:lstStyle/>
+            <a:p>
+              <a:pPr algn="ctr"/>
+              <a:r>
+                <a:rPr lang="pt-BR" dirty="0"/>
+                <a:t>Eu enquanto </a:t>
+              </a:r>
+              <a:r>
+                <a:rPr lang="pt-BR" dirty="0" smtClean="0"/>
+                <a:t>analista quero saber o status da memória para não ter picos ou perdas de dados</a:t>
+              </a:r>
+              <a:endParaRPr lang="pt-BR" dirty="0"/>
+            </a:p>
+          </p:txBody>
+        </p:sp>
+        <p:pic>
+          <p:nvPicPr>
+            <p:cNvPr id="20" name="Picture 4" descr="Usuário Pessoa Pessoas - Gráfico vetorial grátis no Pixabay">
+              <a:extLst>
+                <a:ext uri="{FF2B5EF4-FFF2-40B4-BE49-F238E27FC236}">
+                  <a16:creationId xmlns:a16="http://schemas.microsoft.com/office/drawing/2014/main" id="{7F7A0B22-8101-4250-9466-6D307C3D75C2}"/>
+                </a:ext>
+              </a:extLst>
+            </p:cNvPr>
+            <p:cNvPicPr>
+              <a:picLocks noChangeAspect="1" noChangeArrowheads="1"/>
+            </p:cNvPicPr>
+            <p:nvPr/>
+          </p:nvPicPr>
+          <p:blipFill>
+            <a:blip r:embed="rId2" cstate="hqprint">
+              <a:extLst>
+                <a:ext uri="{28A0092B-C50C-407E-A947-70E740481C1C}">
+                  <a14:useLocalDpi xmlns:a14="http://schemas.microsoft.com/office/drawing/2010/main" val="0"/>
+                </a:ext>
+              </a:extLst>
+            </a:blip>
+            <a:srcRect/>
+            <a:stretch>
+              <a:fillRect/>
+            </a:stretch>
+          </p:blipFill>
+          <p:spPr bwMode="auto">
+            <a:xfrm>
+              <a:off x="1091292" y="196964"/>
+              <a:ext cx="772885" cy="724579"/>
+            </a:xfrm>
+            <a:prstGeom prst="rect">
+              <a:avLst/>
+            </a:prstGeom>
+            <a:noFill/>
+            <a:extLst>
+              <a:ext uri="{909E8E84-426E-40DD-AFC4-6F175D3DCCD1}">
+                <a14:hiddenFill xmlns:a14="http://schemas.microsoft.com/office/drawing/2010/main">
+                  <a:solidFill>
+                    <a:srgbClr val="FFFFFF"/>
+                  </a:solidFill>
+                </a14:hiddenFill>
+              </a:ext>
+            </a:extLst>
+          </p:spPr>
+        </p:pic>
+      </p:grpSp>
+    </p:spTree>
+    <p:extLst>
+      <p:ext uri="{BB962C8B-B14F-4D97-AF65-F5344CB8AC3E}">
+        <p14:creationId xmlns:p14="http://schemas.microsoft.com/office/powerpoint/2010/main" val="4276209017"/>
+      </p:ext>
+    </p:extLst>
+  </p:cSld>
+  <p:clrMapOvr>
+    <a:masterClrMapping/>
+  </p:clrMapOvr>
+</p:sld>
+</file>
+
+<file path=ppt/slides/slide5.xml><?xml version="1.0" encoding="utf-8"?>
+<p:sld xmlns:a="http://schemas.openxmlformats.org/drawingml/2006/main" xmlns:r="http://schemas.openxmlformats.org/officeDocument/2006/relationships" xmlns:p="http://schemas.openxmlformats.org/presentationml/2006/main">
+  <p:cSld>
+    <p:spTree>
+      <p:nvGrpSpPr>
+        <p:cNvPr id="1" name=""/>
+        <p:cNvGrpSpPr/>
+        <p:nvPr/>
+      </p:nvGrpSpPr>
+      <p:grpSpPr>
+        <a:xfrm>
+          <a:off x="0" y="0"/>
+          <a:ext cx="0" cy="0"/>
+          <a:chOff x="0" y="0"/>
+          <a:chExt cx="0" cy="0"/>
+        </a:xfrm>
+      </p:grpSpPr>
+      <p:sp>
+        <p:nvSpPr>
+          <p:cNvPr id="8" name="CaixaDeTexto 7"/>
+          <p:cNvSpPr txBox="1"/>
+          <p:nvPr/>
+        </p:nvSpPr>
+        <p:spPr>
+          <a:xfrm>
+            <a:off x="276726" y="228600"/>
+            <a:ext cx="3184811" cy="923330"/>
+          </a:xfrm>
+          <a:prstGeom prst="rect">
+            <a:avLst/>
+          </a:prstGeom>
+          <a:noFill/>
+        </p:spPr>
+        <p:txBody>
+          <a:bodyPr wrap="square" rtlCol="0">
+            <a:spAutoFit/>
+          </a:bodyPr>
+          <a:lstStyle/>
+          <a:p>
+            <a:r>
+              <a:rPr lang="pt-BR" sz="5400" dirty="0" smtClean="0"/>
+              <a:t>Cliente:</a:t>
+            </a:r>
+            <a:endParaRPr lang="pt-BR" sz="5400" dirty="0"/>
+          </a:p>
+        </p:txBody>
+      </p:sp>
+      <p:grpSp>
+        <p:nvGrpSpPr>
+          <p:cNvPr id="9" name="Agrupar 8">
+            <a:extLst>
+              <a:ext uri="{FF2B5EF4-FFF2-40B4-BE49-F238E27FC236}">
+                <a16:creationId xmlns:a16="http://schemas.microsoft.com/office/drawing/2014/main" id="{77C3BBB0-8D59-43D2-9BE1-766FAE9C0BA6}"/>
+              </a:ext>
+            </a:extLst>
+          </p:cNvPr>
+          <p:cNvGrpSpPr/>
+          <p:nvPr/>
+        </p:nvGrpSpPr>
+        <p:grpSpPr>
+          <a:xfrm>
+            <a:off x="4824401" y="457200"/>
+            <a:ext cx="2367643" cy="2791165"/>
+            <a:chOff x="293914" y="196964"/>
+            <a:chExt cx="2367643" cy="2791165"/>
+          </a:xfrm>
+        </p:grpSpPr>
+        <p:sp>
+          <p:nvSpPr>
+            <p:cNvPr id="10" name="Retângulo: Cantos Arredondados 3">
+              <a:extLst>
+                <a:ext uri="{FF2B5EF4-FFF2-40B4-BE49-F238E27FC236}">
+                  <a16:creationId xmlns:a16="http://schemas.microsoft.com/office/drawing/2014/main" id="{C1CDD6C3-10F8-4311-8617-85087E6F1154}"/>
+                </a:ext>
+              </a:extLst>
+            </p:cNvPr>
+            <p:cNvSpPr/>
+            <p:nvPr/>
+          </p:nvSpPr>
+          <p:spPr>
+            <a:xfrm>
+              <a:off x="293914" y="559254"/>
+              <a:ext cx="2367643" cy="2428875"/>
+            </a:xfrm>
+            <a:prstGeom prst="roundRect">
+              <a:avLst/>
+            </a:prstGeom>
+          </p:spPr>
+          <p:style>
+            <a:lnRef idx="1">
+              <a:schemeClr val="accent3"/>
+            </a:lnRef>
+            <a:fillRef idx="2">
+              <a:schemeClr val="accent3"/>
+            </a:fillRef>
+            <a:effectRef idx="1">
+              <a:schemeClr val="accent3"/>
+            </a:effectRef>
+            <a:fontRef idx="minor">
+              <a:schemeClr val="dk1"/>
+            </a:fontRef>
+          </p:style>
+          <p:txBody>
+            <a:bodyPr rtlCol="0" anchor="ctr"/>
+            <a:lstStyle/>
+            <a:p>
+              <a:pPr algn="ctr"/>
+              <a:r>
+                <a:rPr lang="pt-BR" dirty="0"/>
+                <a:t>Eu enquanto usuário quero informações </a:t>
+              </a:r>
+              <a:r>
+                <a:rPr lang="pt-BR" dirty="0" smtClean="0"/>
+                <a:t>gráficas para </a:t>
+              </a:r>
+              <a:r>
+                <a:rPr lang="pt-BR" dirty="0"/>
+                <a:t>tomadas decisões</a:t>
+              </a:r>
+            </a:p>
+          </p:txBody>
+        </p:sp>
+        <p:pic>
+          <p:nvPicPr>
+            <p:cNvPr id="11" name="Picture 4" descr="Usuário Pessoa Pessoas - Gráfico vetorial grátis no Pixabay">
+              <a:extLst>
+                <a:ext uri="{FF2B5EF4-FFF2-40B4-BE49-F238E27FC236}">
+                  <a16:creationId xmlns:a16="http://schemas.microsoft.com/office/drawing/2014/main" id="{69FE7E5F-7C9C-4677-9614-96E3546E9710}"/>
+                </a:ext>
+              </a:extLst>
+            </p:cNvPr>
+            <p:cNvPicPr>
+              <a:picLocks noChangeAspect="1" noChangeArrowheads="1"/>
+            </p:cNvPicPr>
+            <p:nvPr/>
+          </p:nvPicPr>
+          <p:blipFill>
+            <a:blip r:embed="rId2" cstate="hqprint">
+              <a:extLst>
+                <a:ext uri="{28A0092B-C50C-407E-A947-70E740481C1C}">
+                  <a14:useLocalDpi xmlns:a14="http://schemas.microsoft.com/office/drawing/2010/main" val="0"/>
+                </a:ext>
+              </a:extLst>
+            </a:blip>
+            <a:srcRect/>
+            <a:stretch>
+              <a:fillRect/>
+            </a:stretch>
+          </p:blipFill>
+          <p:spPr bwMode="auto">
+            <a:xfrm>
+              <a:off x="1091292" y="196964"/>
+              <a:ext cx="772885" cy="724579"/>
+            </a:xfrm>
+            <a:prstGeom prst="rect">
+              <a:avLst/>
+            </a:prstGeom>
+            <a:noFill/>
+            <a:extLst>
+              <a:ext uri="{909E8E84-426E-40DD-AFC4-6F175D3DCCD1}">
+                <a14:hiddenFill xmlns:a14="http://schemas.microsoft.com/office/drawing/2010/main">
+                  <a:solidFill>
+                    <a:srgbClr val="FFFFFF"/>
+                  </a:solidFill>
+                </a14:hiddenFill>
+              </a:ext>
+            </a:extLst>
+          </p:spPr>
+        </p:pic>
+      </p:grpSp>
+      <p:grpSp>
+        <p:nvGrpSpPr>
+          <p:cNvPr id="12" name="Agrupar 11">
+            <a:extLst>
+              <a:ext uri="{FF2B5EF4-FFF2-40B4-BE49-F238E27FC236}">
+                <a16:creationId xmlns:a16="http://schemas.microsoft.com/office/drawing/2014/main" id="{0AA2A7F4-B188-4F28-A24E-F215FE929A62}"/>
+              </a:ext>
+            </a:extLst>
+          </p:cNvPr>
+          <p:cNvGrpSpPr/>
+          <p:nvPr/>
+        </p:nvGrpSpPr>
+        <p:grpSpPr>
+          <a:xfrm>
+            <a:off x="4824401" y="3771015"/>
+            <a:ext cx="2367643" cy="2791165"/>
+            <a:chOff x="3450771" y="196964"/>
+            <a:chExt cx="2367643" cy="2791165"/>
+          </a:xfrm>
+        </p:grpSpPr>
+        <p:sp>
+          <p:nvSpPr>
+            <p:cNvPr id="13" name="Retângulo: Cantos Arredondados 6">
+              <a:extLst>
+                <a:ext uri="{FF2B5EF4-FFF2-40B4-BE49-F238E27FC236}">
+                  <a16:creationId xmlns:a16="http://schemas.microsoft.com/office/drawing/2014/main" id="{C73EBBAE-BB70-474D-8378-F349A1A3F0B8}"/>
+                </a:ext>
+              </a:extLst>
+            </p:cNvPr>
+            <p:cNvSpPr/>
+            <p:nvPr/>
+          </p:nvSpPr>
+          <p:spPr>
+            <a:xfrm>
+              <a:off x="3450771" y="559254"/>
+              <a:ext cx="2367643" cy="2428875"/>
+            </a:xfrm>
+            <a:prstGeom prst="roundRect">
+              <a:avLst/>
+            </a:prstGeom>
+          </p:spPr>
+          <p:style>
+            <a:lnRef idx="1">
+              <a:schemeClr val="accent3"/>
+            </a:lnRef>
+            <a:fillRef idx="2">
+              <a:schemeClr val="accent3"/>
+            </a:fillRef>
+            <a:effectRef idx="1">
+              <a:schemeClr val="accent3"/>
+            </a:effectRef>
+            <a:fontRef idx="minor">
+              <a:schemeClr val="dk1"/>
+            </a:fontRef>
+          </p:style>
+          <p:txBody>
+            <a:bodyPr rtlCol="0" anchor="ctr"/>
+            <a:lstStyle/>
+            <a:p>
+              <a:pPr algn="ctr"/>
+              <a:r>
+                <a:rPr lang="pt-BR" dirty="0"/>
+                <a:t>Eu enquanto </a:t>
+              </a:r>
+              <a:r>
+                <a:rPr lang="pt-BR" dirty="0" smtClean="0"/>
+                <a:t>cliente </a:t>
+              </a:r>
+              <a:r>
+                <a:rPr lang="pt-BR" dirty="0"/>
+                <a:t>quero poder analisar a entrada e saída de dinheiro para cumprir balança</a:t>
+              </a:r>
+            </a:p>
+          </p:txBody>
+        </p:sp>
+        <p:pic>
+          <p:nvPicPr>
+            <p:cNvPr id="14" name="Picture 4" descr="Usuário Pessoa Pessoas - Gráfico vetorial grátis no Pixabay">
+              <a:extLst>
+                <a:ext uri="{FF2B5EF4-FFF2-40B4-BE49-F238E27FC236}">
+                  <a16:creationId xmlns:a16="http://schemas.microsoft.com/office/drawing/2014/main" id="{C1036054-3121-4DCA-8F37-D592E34A4AD6}"/>
+                </a:ext>
+              </a:extLst>
+            </p:cNvPr>
+            <p:cNvPicPr>
+              <a:picLocks noChangeAspect="1" noChangeArrowheads="1"/>
+            </p:cNvPicPr>
+            <p:nvPr/>
+          </p:nvPicPr>
+          <p:blipFill>
+            <a:blip r:embed="rId2" cstate="hqprint">
+              <a:extLst>
+                <a:ext uri="{28A0092B-C50C-407E-A947-70E740481C1C}">
+                  <a14:useLocalDpi xmlns:a14="http://schemas.microsoft.com/office/drawing/2010/main" val="0"/>
+                </a:ext>
+              </a:extLst>
+            </a:blip>
+            <a:srcRect/>
+            <a:stretch>
+              <a:fillRect/>
+            </a:stretch>
+          </p:blipFill>
+          <p:spPr bwMode="auto">
+            <a:xfrm>
+              <a:off x="4248149" y="196964"/>
+              <a:ext cx="772885" cy="724579"/>
+            </a:xfrm>
+            <a:prstGeom prst="rect">
+              <a:avLst/>
+            </a:prstGeom>
+            <a:noFill/>
+            <a:extLst>
+              <a:ext uri="{909E8E84-426E-40DD-AFC4-6F175D3DCCD1}">
+                <a14:hiddenFill xmlns:a14="http://schemas.microsoft.com/office/drawing/2010/main">
+                  <a:solidFill>
+                    <a:srgbClr val="FFFFFF"/>
+                  </a:solidFill>
+                </a14:hiddenFill>
+              </a:ext>
+            </a:extLst>
+          </p:spPr>
+        </p:pic>
+      </p:grpSp>
+      <p:grpSp>
+        <p:nvGrpSpPr>
+          <p:cNvPr id="15" name="Agrupar 14">
+            <a:extLst>
+              <a:ext uri="{FF2B5EF4-FFF2-40B4-BE49-F238E27FC236}">
+                <a16:creationId xmlns:a16="http://schemas.microsoft.com/office/drawing/2014/main" id="{C4C93D86-376C-4D77-8848-52798F2264BD}"/>
+              </a:ext>
+            </a:extLst>
+          </p:cNvPr>
+          <p:cNvGrpSpPr/>
+          <p:nvPr/>
+        </p:nvGrpSpPr>
+        <p:grpSpPr>
+          <a:xfrm>
+            <a:off x="1659380" y="3771015"/>
+            <a:ext cx="2367643" cy="2791165"/>
+            <a:chOff x="293914" y="196964"/>
+            <a:chExt cx="2367643" cy="2791165"/>
+          </a:xfrm>
+        </p:grpSpPr>
+        <p:sp>
+          <p:nvSpPr>
+            <p:cNvPr id="16" name="Retângulo: Cantos Arredondados 13">
+              <a:extLst>
+                <a:ext uri="{FF2B5EF4-FFF2-40B4-BE49-F238E27FC236}">
+                  <a16:creationId xmlns:a16="http://schemas.microsoft.com/office/drawing/2014/main" id="{BA87640D-12B5-4A1A-88C7-C53269C56734}"/>
+                </a:ext>
+              </a:extLst>
+            </p:cNvPr>
+            <p:cNvSpPr/>
+            <p:nvPr/>
+          </p:nvSpPr>
+          <p:spPr>
+            <a:xfrm>
+              <a:off x="293914" y="559254"/>
+              <a:ext cx="2367643" cy="2428875"/>
+            </a:xfrm>
+            <a:prstGeom prst="roundRect">
+              <a:avLst/>
+            </a:prstGeom>
+          </p:spPr>
+          <p:style>
+            <a:lnRef idx="1">
+              <a:schemeClr val="accent3"/>
+            </a:lnRef>
+            <a:fillRef idx="2">
+              <a:schemeClr val="accent3"/>
+            </a:fillRef>
+            <a:effectRef idx="1">
+              <a:schemeClr val="accent3"/>
+            </a:effectRef>
+            <a:fontRef idx="minor">
+              <a:schemeClr val="dk1"/>
+            </a:fontRef>
+          </p:style>
+          <p:txBody>
+            <a:bodyPr rtlCol="0" anchor="ctr"/>
+            <a:lstStyle/>
+            <a:p>
+              <a:pPr algn="ctr"/>
+              <a:r>
+                <a:rPr lang="pt-BR" dirty="0"/>
+                <a:t>Eu enquanto </a:t>
+              </a:r>
+              <a:r>
+                <a:rPr lang="pt-BR" dirty="0" smtClean="0"/>
+                <a:t>cliente</a:t>
+              </a:r>
+              <a:r>
+                <a:rPr lang="pt-BR" dirty="0" smtClean="0"/>
+                <a:t> </a:t>
+              </a:r>
+              <a:r>
+                <a:rPr lang="pt-BR" dirty="0"/>
+                <a:t>quero sensores para captação de dados</a:t>
+              </a:r>
+            </a:p>
+          </p:txBody>
+        </p:sp>
+        <p:pic>
+          <p:nvPicPr>
+            <p:cNvPr id="17" name="Picture 4" descr="Usuário Pessoa Pessoas - Gráfico vetorial grátis no Pixabay">
+              <a:extLst>
+                <a:ext uri="{FF2B5EF4-FFF2-40B4-BE49-F238E27FC236}">
+                  <a16:creationId xmlns:a16="http://schemas.microsoft.com/office/drawing/2014/main" id="{7F7A0B22-8101-4250-9466-6D307C3D75C2}"/>
+                </a:ext>
+              </a:extLst>
+            </p:cNvPr>
+            <p:cNvPicPr>
+              <a:picLocks noChangeAspect="1" noChangeArrowheads="1"/>
+            </p:cNvPicPr>
+            <p:nvPr/>
+          </p:nvPicPr>
+          <p:blipFill>
+            <a:blip r:embed="rId2" cstate="hqprint">
+              <a:extLst>
+                <a:ext uri="{28A0092B-C50C-407E-A947-70E740481C1C}">
+                  <a14:useLocalDpi xmlns:a14="http://schemas.microsoft.com/office/drawing/2010/main" val="0"/>
+                </a:ext>
+              </a:extLst>
+            </a:blip>
+            <a:srcRect/>
+            <a:stretch>
+              <a:fillRect/>
+            </a:stretch>
+          </p:blipFill>
+          <p:spPr bwMode="auto">
+            <a:xfrm>
+              <a:off x="1091292" y="196964"/>
+              <a:ext cx="772885" cy="724579"/>
+            </a:xfrm>
+            <a:prstGeom prst="rect">
+              <a:avLst/>
+            </a:prstGeom>
+            <a:noFill/>
+            <a:extLst>
+              <a:ext uri="{909E8E84-426E-40DD-AFC4-6F175D3DCCD1}">
+                <a14:hiddenFill xmlns:a14="http://schemas.microsoft.com/office/drawing/2010/main">
+                  <a:solidFill>
+                    <a:srgbClr val="FFFFFF"/>
+                  </a:solidFill>
+                </a14:hiddenFill>
+              </a:ext>
+            </a:extLst>
+          </p:spPr>
+        </p:pic>
+      </p:grpSp>
+      <p:grpSp>
+        <p:nvGrpSpPr>
+          <p:cNvPr id="21" name="Agrupar 20">
+            <a:extLst>
+              <a:ext uri="{FF2B5EF4-FFF2-40B4-BE49-F238E27FC236}">
+                <a16:creationId xmlns:a16="http://schemas.microsoft.com/office/drawing/2014/main" id="{DA8FD9F2-FC24-4ED4-9332-63BB8746D39D}"/>
+              </a:ext>
+            </a:extLst>
+          </p:cNvPr>
+          <p:cNvGrpSpPr/>
+          <p:nvPr/>
+        </p:nvGrpSpPr>
+        <p:grpSpPr>
+          <a:xfrm>
+            <a:off x="8136342" y="3771015"/>
+            <a:ext cx="2367643" cy="2791165"/>
+            <a:chOff x="293914" y="196964"/>
+            <a:chExt cx="2367643" cy="2791165"/>
+          </a:xfrm>
+        </p:grpSpPr>
+        <p:sp>
+          <p:nvSpPr>
+            <p:cNvPr id="22" name="Retângulo: Cantos Arredondados 22">
+              <a:extLst>
+                <a:ext uri="{FF2B5EF4-FFF2-40B4-BE49-F238E27FC236}">
+                  <a16:creationId xmlns:a16="http://schemas.microsoft.com/office/drawing/2014/main" id="{EF3CCDBC-65AB-4078-95D5-3CD686F3C320}"/>
+                </a:ext>
+              </a:extLst>
+            </p:cNvPr>
+            <p:cNvSpPr/>
+            <p:nvPr/>
+          </p:nvSpPr>
+          <p:spPr>
+            <a:xfrm>
+              <a:off x="293914" y="559254"/>
+              <a:ext cx="2367643" cy="2428875"/>
+            </a:xfrm>
+            <a:prstGeom prst="roundRect">
+              <a:avLst/>
+            </a:prstGeom>
+          </p:spPr>
+          <p:style>
+            <a:lnRef idx="1">
+              <a:schemeClr val="accent3"/>
+            </a:lnRef>
+            <a:fillRef idx="2">
+              <a:schemeClr val="accent3"/>
+            </a:fillRef>
+            <a:effectRef idx="1">
+              <a:schemeClr val="accent3"/>
+            </a:effectRef>
+            <a:fontRef idx="minor">
+              <a:schemeClr val="dk1"/>
+            </a:fontRef>
+          </p:style>
+          <p:txBody>
+            <a:bodyPr rtlCol="0" anchor="ctr"/>
+            <a:lstStyle/>
+            <a:p>
+              <a:pPr algn="ctr"/>
+              <a:r>
+                <a:rPr lang="pt-BR" dirty="0"/>
+                <a:t>Eu enquanto </a:t>
+              </a:r>
+              <a:r>
+                <a:rPr lang="pt-BR" dirty="0" smtClean="0"/>
+                <a:t>cliente </a:t>
+              </a:r>
+              <a:r>
+                <a:rPr lang="pt-BR" dirty="0"/>
+                <a:t>quero ter ciência das métricas do meu plantio para auxiliar nos planejamentos</a:t>
+              </a:r>
+            </a:p>
+          </p:txBody>
+        </p:sp>
+        <p:pic>
+          <p:nvPicPr>
+            <p:cNvPr id="23" name="Picture 4" descr="Usuário Pessoa Pessoas - Gráfico vetorial grátis no Pixabay">
+              <a:extLst>
+                <a:ext uri="{FF2B5EF4-FFF2-40B4-BE49-F238E27FC236}">
+                  <a16:creationId xmlns:a16="http://schemas.microsoft.com/office/drawing/2014/main" id="{9C92BAE7-478C-4220-AD02-8B6ED1FDA9D6}"/>
+                </a:ext>
+              </a:extLst>
+            </p:cNvPr>
+            <p:cNvPicPr>
+              <a:picLocks noChangeAspect="1" noChangeArrowheads="1"/>
+            </p:cNvPicPr>
+            <p:nvPr/>
+          </p:nvPicPr>
+          <p:blipFill>
+            <a:blip r:embed="rId2" cstate="hqprint">
+              <a:extLst>
+                <a:ext uri="{28A0092B-C50C-407E-A947-70E740481C1C}">
+                  <a14:useLocalDpi xmlns:a14="http://schemas.microsoft.com/office/drawing/2010/main" val="0"/>
+                </a:ext>
+              </a:extLst>
+            </a:blip>
+            <a:srcRect/>
+            <a:stretch>
+              <a:fillRect/>
+            </a:stretch>
+          </p:blipFill>
+          <p:spPr bwMode="auto">
+            <a:xfrm>
+              <a:off x="1091292" y="196964"/>
+              <a:ext cx="772885" cy="724579"/>
+            </a:xfrm>
+            <a:prstGeom prst="rect">
+              <a:avLst/>
+            </a:prstGeom>
+            <a:noFill/>
+            <a:extLst>
+              <a:ext uri="{909E8E84-426E-40DD-AFC4-6F175D3DCCD1}">
+                <a14:hiddenFill xmlns:a14="http://schemas.microsoft.com/office/drawing/2010/main">
+                  <a:solidFill>
+                    <a:srgbClr val="FFFFFF"/>
+                  </a:solidFill>
+                </a14:hiddenFill>
+              </a:ext>
+            </a:extLst>
+          </p:spPr>
+        </p:pic>
+      </p:grpSp>
+    </p:spTree>
+    <p:extLst>
+      <p:ext uri="{BB962C8B-B14F-4D97-AF65-F5344CB8AC3E}">
+        <p14:creationId xmlns:p14="http://schemas.microsoft.com/office/powerpoint/2010/main" val="1811190379"/>
       </p:ext>
     </p:extLst>
   </p:cSld>

--- a/Projeto SIX MIND/Documentação/User Story - Six Minds.pptx
+++ b/Projeto SIX MIND/Documentação/User Story - Six Minds.pptx
@@ -271,7 +271,7 @@
           <a:p>
             <a:fld id="{D03501A8-2AC6-4575-83BF-B2066DEA3A2F}" type="datetimeFigureOut">
               <a:rPr lang="pt-BR" smtClean="0"/>
-              <a:t>02/09/2020</a:t>
+              <a:t>09/09/2020</a:t>
             </a:fld>
             <a:endParaRPr lang="pt-BR"/>
           </a:p>
@@ -469,7 +469,7 @@
           <a:p>
             <a:fld id="{D03501A8-2AC6-4575-83BF-B2066DEA3A2F}" type="datetimeFigureOut">
               <a:rPr lang="pt-BR" smtClean="0"/>
-              <a:t>02/09/2020</a:t>
+              <a:t>09/09/2020</a:t>
             </a:fld>
             <a:endParaRPr lang="pt-BR"/>
           </a:p>
@@ -677,7 +677,7 @@
           <a:p>
             <a:fld id="{D03501A8-2AC6-4575-83BF-B2066DEA3A2F}" type="datetimeFigureOut">
               <a:rPr lang="pt-BR" smtClean="0"/>
-              <a:t>02/09/2020</a:t>
+              <a:t>09/09/2020</a:t>
             </a:fld>
             <a:endParaRPr lang="pt-BR"/>
           </a:p>
@@ -875,7 +875,7 @@
           <a:p>
             <a:fld id="{D03501A8-2AC6-4575-83BF-B2066DEA3A2F}" type="datetimeFigureOut">
               <a:rPr lang="pt-BR" smtClean="0"/>
-              <a:t>02/09/2020</a:t>
+              <a:t>09/09/2020</a:t>
             </a:fld>
             <a:endParaRPr lang="pt-BR"/>
           </a:p>
@@ -1150,7 +1150,7 @@
           <a:p>
             <a:fld id="{D03501A8-2AC6-4575-83BF-B2066DEA3A2F}" type="datetimeFigureOut">
               <a:rPr lang="pt-BR" smtClean="0"/>
-              <a:t>02/09/2020</a:t>
+              <a:t>09/09/2020</a:t>
             </a:fld>
             <a:endParaRPr lang="pt-BR"/>
           </a:p>
@@ -1415,7 +1415,7 @@
           <a:p>
             <a:fld id="{D03501A8-2AC6-4575-83BF-B2066DEA3A2F}" type="datetimeFigureOut">
               <a:rPr lang="pt-BR" smtClean="0"/>
-              <a:t>02/09/2020</a:t>
+              <a:t>09/09/2020</a:t>
             </a:fld>
             <a:endParaRPr lang="pt-BR"/>
           </a:p>
@@ -1827,7 +1827,7 @@
           <a:p>
             <a:fld id="{D03501A8-2AC6-4575-83BF-B2066DEA3A2F}" type="datetimeFigureOut">
               <a:rPr lang="pt-BR" smtClean="0"/>
-              <a:t>02/09/2020</a:t>
+              <a:t>09/09/2020</a:t>
             </a:fld>
             <a:endParaRPr lang="pt-BR"/>
           </a:p>
@@ -1968,7 +1968,7 @@
           <a:p>
             <a:fld id="{D03501A8-2AC6-4575-83BF-B2066DEA3A2F}" type="datetimeFigureOut">
               <a:rPr lang="pt-BR" smtClean="0"/>
-              <a:t>02/09/2020</a:t>
+              <a:t>09/09/2020</a:t>
             </a:fld>
             <a:endParaRPr lang="pt-BR"/>
           </a:p>
@@ -2081,7 +2081,7 @@
           <a:p>
             <a:fld id="{D03501A8-2AC6-4575-83BF-B2066DEA3A2F}" type="datetimeFigureOut">
               <a:rPr lang="pt-BR" smtClean="0"/>
-              <a:t>02/09/2020</a:t>
+              <a:t>09/09/2020</a:t>
             </a:fld>
             <a:endParaRPr lang="pt-BR"/>
           </a:p>
@@ -2392,7 +2392,7 @@
           <a:p>
             <a:fld id="{D03501A8-2AC6-4575-83BF-B2066DEA3A2F}" type="datetimeFigureOut">
               <a:rPr lang="pt-BR" smtClean="0"/>
-              <a:t>02/09/2020</a:t>
+              <a:t>09/09/2020</a:t>
             </a:fld>
             <a:endParaRPr lang="pt-BR"/>
           </a:p>
@@ -2680,7 +2680,7 @@
           <a:p>
             <a:fld id="{D03501A8-2AC6-4575-83BF-B2066DEA3A2F}" type="datetimeFigureOut">
               <a:rPr lang="pt-BR" smtClean="0"/>
-              <a:t>02/09/2020</a:t>
+              <a:t>09/09/2020</a:t>
             </a:fld>
             <a:endParaRPr lang="pt-BR"/>
           </a:p>
@@ -2921,7 +2921,7 @@
           <a:p>
             <a:fld id="{D03501A8-2AC6-4575-83BF-B2066DEA3A2F}" type="datetimeFigureOut">
               <a:rPr lang="pt-BR" smtClean="0"/>
-              <a:t>02/09/2020</a:t>
+              <a:t>09/09/2020</a:t>
             </a:fld>
             <a:endParaRPr lang="pt-BR"/>
           </a:p>
@@ -3650,11 +3650,7 @@
               </a:r>
               <a:r>
                 <a:rPr lang="pt-BR" dirty="0" smtClean="0"/>
-                <a:t>cliente</a:t>
-              </a:r>
-              <a:r>
-                <a:rPr lang="pt-BR" dirty="0" smtClean="0"/>
-                <a:t> </a:t>
+                <a:t>cliente </a:t>
               </a:r>
               <a:r>
                 <a:rPr lang="pt-BR" dirty="0"/>
@@ -4261,15 +4257,7 @@
               </a:r>
               <a:r>
                 <a:rPr lang="pt-BR" dirty="0" smtClean="0"/>
-                <a:t>gerente</a:t>
-              </a:r>
-              <a:r>
-                <a:rPr lang="pt-BR" dirty="0" smtClean="0"/>
-                <a:t> </a:t>
-              </a:r>
-              <a:r>
-                <a:rPr lang="pt-BR" dirty="0" smtClean="0"/>
-                <a:t>quero acessos aos dados para prever possíveis avanços ou recuos </a:t>
+                <a:t>gerente quero acessos aos dados para prever possíveis avanços ou recuos </a:t>
               </a:r>
               <a:endParaRPr lang="pt-BR" dirty="0"/>
             </a:p>
@@ -5945,22 +5933,22 @@
               </a:r>
               <a:r>
                 <a:rPr lang="pt-BR" dirty="0" smtClean="0"/>
-                <a:t>interface</a:t>
-              </a:r>
-              <a:r>
-                <a:rPr lang="pt-BR" dirty="0" smtClean="0"/>
-                <a:t> </a:t>
-              </a:r>
-              <a:r>
-                <a:rPr lang="pt-BR" dirty="0" smtClean="0"/>
-                <a:t>gráficas para</a:t>
+                <a:t>interface gráficas para</a:t>
               </a:r>
             </a:p>
             <a:p>
               <a:pPr algn="ctr"/>
               <a:r>
                 <a:rPr lang="pt-BR" dirty="0" smtClean="0"/>
-                <a:t>ter melhor ciência e administração  </a:t>
+                <a:t>ter melhor ciência </a:t>
+              </a:r>
+              <a:r>
+                <a:rPr lang="pt-BR" dirty="0" smtClean="0"/>
+                <a:t> e </a:t>
+              </a:r>
+              <a:r>
+                <a:rPr lang="pt-BR" dirty="0" smtClean="0"/>
+                <a:t>administração  </a:t>
               </a:r>
               <a:endParaRPr lang="pt-BR" dirty="0"/>
             </a:p>
@@ -6241,23 +6229,7 @@
               </a:r>
               <a:r>
                 <a:rPr lang="pt-BR" dirty="0" smtClean="0"/>
-                <a:t>gerente</a:t>
-              </a:r>
-              <a:r>
-                <a:rPr lang="pt-BR" dirty="0" smtClean="0"/>
-                <a:t> </a:t>
-              </a:r>
-              <a:r>
-                <a:rPr lang="pt-BR" dirty="0" smtClean="0"/>
-                <a:t>quero acessos aos dados para </a:t>
-              </a:r>
-              <a:r>
-                <a:rPr lang="pt-BR" dirty="0" smtClean="0"/>
-                <a:t>estar ciente de possíveis avanços </a:t>
-              </a:r>
-              <a:r>
-                <a:rPr lang="pt-BR" dirty="0" smtClean="0"/>
-                <a:t>ou recuos </a:t>
+                <a:t>gerente quero acessos aos dados para estar ciente de possíveis avanços ou recuos </a:t>
               </a:r>
               <a:endParaRPr lang="pt-BR" dirty="0"/>
             </a:p>
@@ -6365,15 +6337,7 @@
             </a:r>
             <a:r>
               <a:rPr lang="pt-BR" dirty="0" smtClean="0"/>
-              <a:t>relatório dos problemas</a:t>
-            </a:r>
-            <a:r>
-              <a:rPr lang="pt-BR" dirty="0" smtClean="0"/>
-              <a:t> </a:t>
-            </a:r>
-            <a:r>
-              <a:rPr lang="pt-BR" dirty="0" smtClean="0"/>
-              <a:t>para uma ação mais direta</a:t>
+              <a:t>relatório dos problemas para uma ação mais direta</a:t>
             </a:r>
             <a:endParaRPr lang="pt-BR" dirty="0"/>
           </a:p>
@@ -6426,6 +6390,166 @@
           </a:extLst>
         </p:spPr>
       </p:pic>
+      <p:sp>
+        <p:nvSpPr>
+          <p:cNvPr id="20" name="CaixaDeTexto 19"/>
+          <p:cNvSpPr txBox="1"/>
+          <p:nvPr/>
+        </p:nvSpPr>
+        <p:spPr>
+          <a:xfrm>
+            <a:off x="5443909" y="3296764"/>
+            <a:ext cx="1048833" cy="369332"/>
+          </a:xfrm>
+          <a:prstGeom prst="rect">
+            <a:avLst/>
+          </a:prstGeom>
+          <a:solidFill>
+            <a:schemeClr val="tx1"/>
+          </a:solidFill>
+        </p:spPr>
+        <p:txBody>
+          <a:bodyPr wrap="square" rtlCol="0">
+            <a:spAutoFit/>
+          </a:bodyPr>
+          <a:lstStyle/>
+          <a:p>
+            <a:r>
+              <a:rPr lang="pt-BR" dirty="0" smtClean="0">
+                <a:solidFill>
+                  <a:schemeClr val="bg1"/>
+                </a:solidFill>
+              </a:rPr>
+              <a:t>US#G001</a:t>
+            </a:r>
+            <a:endParaRPr lang="pt-BR" dirty="0">
+              <a:solidFill>
+                <a:schemeClr val="bg1"/>
+              </a:solidFill>
+            </a:endParaRPr>
+          </a:p>
+        </p:txBody>
+      </p:sp>
+      <p:sp>
+        <p:nvSpPr>
+          <p:cNvPr id="23" name="CaixaDeTexto 22"/>
+          <p:cNvSpPr txBox="1"/>
+          <p:nvPr/>
+        </p:nvSpPr>
+        <p:spPr>
+          <a:xfrm>
+            <a:off x="2751119" y="6233874"/>
+            <a:ext cx="1420832" cy="369332"/>
+          </a:xfrm>
+          <a:prstGeom prst="rect">
+            <a:avLst/>
+          </a:prstGeom>
+          <a:solidFill>
+            <a:schemeClr val="tx1"/>
+          </a:solidFill>
+        </p:spPr>
+        <p:txBody>
+          <a:bodyPr wrap="square" rtlCol="0">
+            <a:spAutoFit/>
+          </a:bodyPr>
+          <a:lstStyle/>
+          <a:p>
+            <a:r>
+              <a:rPr lang="pt-BR" dirty="0" smtClean="0">
+                <a:solidFill>
+                  <a:schemeClr val="bg1"/>
+                </a:solidFill>
+              </a:rPr>
+              <a:t>US#G001.1</a:t>
+            </a:r>
+            <a:endParaRPr lang="pt-BR" dirty="0">
+              <a:solidFill>
+                <a:schemeClr val="bg1"/>
+              </a:solidFill>
+            </a:endParaRPr>
+          </a:p>
+        </p:txBody>
+      </p:sp>
+      <p:sp>
+        <p:nvSpPr>
+          <p:cNvPr id="24" name="CaixaDeTexto 23"/>
+          <p:cNvSpPr txBox="1"/>
+          <p:nvPr/>
+        </p:nvSpPr>
+        <p:spPr>
+          <a:xfrm>
+            <a:off x="5487281" y="6233874"/>
+            <a:ext cx="1420832" cy="369332"/>
+          </a:xfrm>
+          <a:prstGeom prst="rect">
+            <a:avLst/>
+          </a:prstGeom>
+          <a:solidFill>
+            <a:schemeClr val="tx1"/>
+          </a:solidFill>
+        </p:spPr>
+        <p:txBody>
+          <a:bodyPr wrap="square" rtlCol="0">
+            <a:spAutoFit/>
+          </a:bodyPr>
+          <a:lstStyle/>
+          <a:p>
+            <a:r>
+              <a:rPr lang="pt-BR" dirty="0" smtClean="0">
+                <a:solidFill>
+                  <a:schemeClr val="bg1"/>
+                </a:solidFill>
+              </a:rPr>
+              <a:t>US#G001.2</a:t>
+            </a:r>
+            <a:endParaRPr lang="pt-BR" dirty="0">
+              <a:solidFill>
+                <a:schemeClr val="bg1"/>
+              </a:solidFill>
+            </a:endParaRPr>
+          </a:p>
+        </p:txBody>
+      </p:sp>
+      <p:sp>
+        <p:nvSpPr>
+          <p:cNvPr id="25" name="CaixaDeTexto 24"/>
+          <p:cNvSpPr txBox="1"/>
+          <p:nvPr/>
+        </p:nvSpPr>
+        <p:spPr>
+          <a:xfrm>
+            <a:off x="8224055" y="6233874"/>
+            <a:ext cx="1420832" cy="369332"/>
+          </a:xfrm>
+          <a:prstGeom prst="rect">
+            <a:avLst/>
+          </a:prstGeom>
+          <a:solidFill>
+            <a:schemeClr val="tx1"/>
+          </a:solidFill>
+        </p:spPr>
+        <p:txBody>
+          <a:bodyPr wrap="square" rtlCol="0">
+            <a:spAutoFit/>
+          </a:bodyPr>
+          <a:lstStyle/>
+          <a:p>
+            <a:r>
+              <a:rPr lang="pt-BR" dirty="0" smtClean="0">
+                <a:solidFill>
+                  <a:schemeClr val="bg1"/>
+                </a:solidFill>
+              </a:rPr>
+              <a:t>US#G001.3</a:t>
+            </a:r>
+            <a:endParaRPr lang="pt-BR" dirty="0">
+              <a:solidFill>
+                <a:schemeClr val="bg1"/>
+              </a:solidFill>
+            </a:endParaRPr>
+          </a:p>
+        </p:txBody>
+      </p:sp>
     </p:spTree>
     <p:extLst>
       <p:ext uri="{BB962C8B-B14F-4D97-AF65-F5344CB8AC3E}">
@@ -6687,7 +6811,19 @@
               </a:r>
               <a:r>
                 <a:rPr lang="pt-BR" dirty="0" smtClean="0"/>
-                <a:t>analista quero saber o status da memória virtual para não haver sobrecarga</a:t>
+                <a:t>analista quero saber o status da memória </a:t>
+              </a:r>
+              <a:r>
+                <a:rPr lang="pt-BR" dirty="0" smtClean="0"/>
+                <a:t>virtual, CPU e Disco para </a:t>
+              </a:r>
+              <a:r>
+                <a:rPr lang="pt-BR" dirty="0" smtClean="0"/>
+                <a:t>não haver </a:t>
+              </a:r>
+              <a:r>
+                <a:rPr lang="pt-BR" dirty="0" smtClean="0"/>
+                <a:t>sobrecarga </a:t>
               </a:r>
               <a:endParaRPr lang="pt-BR" dirty="0"/>
             </a:p>
@@ -6807,11 +6943,7 @@
               </a:r>
               <a:r>
                 <a:rPr lang="pt-BR" dirty="0" smtClean="0"/>
-                <a:t>analista quero </a:t>
-              </a:r>
-              <a:r>
-                <a:rPr lang="pt-BR" dirty="0" smtClean="0"/>
-                <a:t>que o sistema seja hospedado em nuvem para evitar gastos desnecessário </a:t>
+                <a:t>analista quero que o sistema seja hospedado em nuvem para evitar gastos desnecessário </a:t>
               </a:r>
               <a:endParaRPr lang="pt-BR" dirty="0"/>
             </a:p>
@@ -6985,6 +7117,166 @@
           </p:spPr>
         </p:pic>
       </p:grpSp>
+      <p:sp>
+        <p:nvSpPr>
+          <p:cNvPr id="21" name="CaixaDeTexto 20"/>
+          <p:cNvSpPr txBox="1"/>
+          <p:nvPr/>
+        </p:nvSpPr>
+        <p:spPr>
+          <a:xfrm>
+            <a:off x="5715696" y="2924870"/>
+            <a:ext cx="1048833" cy="369332"/>
+          </a:xfrm>
+          <a:prstGeom prst="rect">
+            <a:avLst/>
+          </a:prstGeom>
+          <a:solidFill>
+            <a:schemeClr val="tx1"/>
+          </a:solidFill>
+        </p:spPr>
+        <p:txBody>
+          <a:bodyPr wrap="square" rtlCol="0">
+            <a:spAutoFit/>
+          </a:bodyPr>
+          <a:lstStyle/>
+          <a:p>
+            <a:r>
+              <a:rPr lang="pt-BR" dirty="0" smtClean="0">
+                <a:solidFill>
+                  <a:schemeClr val="bg1"/>
+                </a:solidFill>
+              </a:rPr>
+              <a:t>US#A001</a:t>
+            </a:r>
+            <a:endParaRPr lang="pt-BR" dirty="0">
+              <a:solidFill>
+                <a:schemeClr val="bg1"/>
+              </a:solidFill>
+            </a:endParaRPr>
+          </a:p>
+        </p:txBody>
+      </p:sp>
+      <p:sp>
+        <p:nvSpPr>
+          <p:cNvPr id="22" name="CaixaDeTexto 21"/>
+          <p:cNvSpPr txBox="1"/>
+          <p:nvPr/>
+        </p:nvSpPr>
+        <p:spPr>
+          <a:xfrm>
+            <a:off x="2364678" y="6339838"/>
+            <a:ext cx="1420832" cy="369332"/>
+          </a:xfrm>
+          <a:prstGeom prst="rect">
+            <a:avLst/>
+          </a:prstGeom>
+          <a:solidFill>
+            <a:schemeClr val="tx1"/>
+          </a:solidFill>
+        </p:spPr>
+        <p:txBody>
+          <a:bodyPr wrap="square" rtlCol="0">
+            <a:spAutoFit/>
+          </a:bodyPr>
+          <a:lstStyle/>
+          <a:p>
+            <a:r>
+              <a:rPr lang="pt-BR" dirty="0" smtClean="0">
+                <a:solidFill>
+                  <a:schemeClr val="bg1"/>
+                </a:solidFill>
+              </a:rPr>
+              <a:t>US#A001.1</a:t>
+            </a:r>
+            <a:endParaRPr lang="pt-BR" dirty="0">
+              <a:solidFill>
+                <a:schemeClr val="bg1"/>
+              </a:solidFill>
+            </a:endParaRPr>
+          </a:p>
+        </p:txBody>
+      </p:sp>
+      <p:sp>
+        <p:nvSpPr>
+          <p:cNvPr id="23" name="CaixaDeTexto 22"/>
+          <p:cNvSpPr txBox="1"/>
+          <p:nvPr/>
+        </p:nvSpPr>
+        <p:spPr>
+          <a:xfrm>
+            <a:off x="5529697" y="6339838"/>
+            <a:ext cx="1420832" cy="369332"/>
+          </a:xfrm>
+          <a:prstGeom prst="rect">
+            <a:avLst/>
+          </a:prstGeom>
+          <a:solidFill>
+            <a:schemeClr val="tx1"/>
+          </a:solidFill>
+        </p:spPr>
+        <p:txBody>
+          <a:bodyPr wrap="square" rtlCol="0">
+            <a:spAutoFit/>
+          </a:bodyPr>
+          <a:lstStyle/>
+          <a:p>
+            <a:r>
+              <a:rPr lang="pt-BR" dirty="0" smtClean="0">
+                <a:solidFill>
+                  <a:schemeClr val="bg1"/>
+                </a:solidFill>
+              </a:rPr>
+              <a:t>US#A001.2</a:t>
+            </a:r>
+            <a:endParaRPr lang="pt-BR" dirty="0">
+              <a:solidFill>
+                <a:schemeClr val="bg1"/>
+              </a:solidFill>
+            </a:endParaRPr>
+          </a:p>
+        </p:txBody>
+      </p:sp>
+      <p:sp>
+        <p:nvSpPr>
+          <p:cNvPr id="24" name="CaixaDeTexto 23"/>
+          <p:cNvSpPr txBox="1"/>
+          <p:nvPr/>
+        </p:nvSpPr>
+        <p:spPr>
+          <a:xfrm>
+            <a:off x="8694718" y="6386274"/>
+            <a:ext cx="1420832" cy="369332"/>
+          </a:xfrm>
+          <a:prstGeom prst="rect">
+            <a:avLst/>
+          </a:prstGeom>
+          <a:solidFill>
+            <a:schemeClr val="tx1"/>
+          </a:solidFill>
+        </p:spPr>
+        <p:txBody>
+          <a:bodyPr wrap="square" rtlCol="0">
+            <a:spAutoFit/>
+          </a:bodyPr>
+          <a:lstStyle/>
+          <a:p>
+            <a:r>
+              <a:rPr lang="pt-BR" dirty="0" smtClean="0">
+                <a:solidFill>
+                  <a:schemeClr val="bg1"/>
+                </a:solidFill>
+              </a:rPr>
+              <a:t>US#A001.3</a:t>
+            </a:r>
+            <a:endParaRPr lang="pt-BR" dirty="0">
+              <a:solidFill>
+                <a:schemeClr val="bg1"/>
+              </a:solidFill>
+            </a:endParaRPr>
+          </a:p>
+        </p:txBody>
+      </p:sp>
     </p:spTree>
     <p:extLst>
       <p:ext uri="{BB962C8B-B14F-4D97-AF65-F5344CB8AC3E}">
@@ -7357,11 +7649,7 @@
               </a:r>
               <a:r>
                 <a:rPr lang="pt-BR" dirty="0" smtClean="0"/>
-                <a:t>cliente</a:t>
-              </a:r>
-              <a:r>
-                <a:rPr lang="pt-BR" dirty="0" smtClean="0"/>
-                <a:t> </a:t>
+                <a:t>cliente </a:t>
               </a:r>
               <a:r>
                 <a:rPr lang="pt-BR" dirty="0"/>
@@ -7488,7 +7776,23 @@
               </a:r>
               <a:r>
                 <a:rPr lang="pt-BR" dirty="0"/>
-                <a:t>quero ter ciência das métricas do meu plantio para auxiliar nos planejamentos</a:t>
+                <a:t>quero ter </a:t>
+              </a:r>
+              <a:r>
+                <a:rPr lang="pt-BR" dirty="0" smtClean="0"/>
+                <a:t>ciência  </a:t>
+              </a:r>
+              <a:r>
+                <a:rPr lang="pt-BR" dirty="0"/>
+                <a:t>das métricas </a:t>
+              </a:r>
+              <a:r>
+                <a:rPr lang="pt-BR" dirty="0" smtClean="0"/>
+                <a:t> do </a:t>
+              </a:r>
+              <a:r>
+                <a:rPr lang="pt-BR" dirty="0"/>
+                <a:t>meu plantio para auxiliar nos planejamentos</a:t>
               </a:r>
             </a:p>
           </p:txBody>
@@ -7541,6 +7845,166 @@
           </p:spPr>
         </p:pic>
       </p:grpSp>
+      <p:sp>
+        <p:nvSpPr>
+          <p:cNvPr id="18" name="CaixaDeTexto 17"/>
+          <p:cNvSpPr txBox="1"/>
+          <p:nvPr/>
+        </p:nvSpPr>
+        <p:spPr>
+          <a:xfrm>
+            <a:off x="5483804" y="3063699"/>
+            <a:ext cx="1048833" cy="369332"/>
+          </a:xfrm>
+          <a:prstGeom prst="rect">
+            <a:avLst/>
+          </a:prstGeom>
+          <a:solidFill>
+            <a:schemeClr val="tx1"/>
+          </a:solidFill>
+        </p:spPr>
+        <p:txBody>
+          <a:bodyPr wrap="square" rtlCol="0">
+            <a:spAutoFit/>
+          </a:bodyPr>
+          <a:lstStyle/>
+          <a:p>
+            <a:r>
+              <a:rPr lang="pt-BR" dirty="0" smtClean="0">
+                <a:solidFill>
+                  <a:schemeClr val="bg1"/>
+                </a:solidFill>
+              </a:rPr>
+              <a:t>US#C001</a:t>
+            </a:r>
+            <a:endParaRPr lang="pt-BR" dirty="0">
+              <a:solidFill>
+                <a:schemeClr val="bg1"/>
+              </a:solidFill>
+            </a:endParaRPr>
+          </a:p>
+        </p:txBody>
+      </p:sp>
+      <p:sp>
+        <p:nvSpPr>
+          <p:cNvPr id="19" name="CaixaDeTexto 18"/>
+          <p:cNvSpPr txBox="1"/>
+          <p:nvPr/>
+        </p:nvSpPr>
+        <p:spPr>
+          <a:xfrm>
+            <a:off x="2118371" y="6192848"/>
+            <a:ext cx="1420832" cy="369332"/>
+          </a:xfrm>
+          <a:prstGeom prst="rect">
+            <a:avLst/>
+          </a:prstGeom>
+          <a:solidFill>
+            <a:schemeClr val="tx1"/>
+          </a:solidFill>
+        </p:spPr>
+        <p:txBody>
+          <a:bodyPr wrap="square" rtlCol="0">
+            <a:spAutoFit/>
+          </a:bodyPr>
+          <a:lstStyle/>
+          <a:p>
+            <a:r>
+              <a:rPr lang="pt-BR" dirty="0" smtClean="0">
+                <a:solidFill>
+                  <a:schemeClr val="bg1"/>
+                </a:solidFill>
+              </a:rPr>
+              <a:t>US#C001.1</a:t>
+            </a:r>
+            <a:endParaRPr lang="pt-BR" dirty="0">
+              <a:solidFill>
+                <a:schemeClr val="bg1"/>
+              </a:solidFill>
+            </a:endParaRPr>
+          </a:p>
+        </p:txBody>
+      </p:sp>
+      <p:sp>
+        <p:nvSpPr>
+          <p:cNvPr id="20" name="CaixaDeTexto 19"/>
+          <p:cNvSpPr txBox="1"/>
+          <p:nvPr/>
+        </p:nvSpPr>
+        <p:spPr>
+          <a:xfrm>
+            <a:off x="5308186" y="6245780"/>
+            <a:ext cx="1420832" cy="369332"/>
+          </a:xfrm>
+          <a:prstGeom prst="rect">
+            <a:avLst/>
+          </a:prstGeom>
+          <a:solidFill>
+            <a:schemeClr val="tx1"/>
+          </a:solidFill>
+        </p:spPr>
+        <p:txBody>
+          <a:bodyPr wrap="square" rtlCol="0">
+            <a:spAutoFit/>
+          </a:bodyPr>
+          <a:lstStyle/>
+          <a:p>
+            <a:r>
+              <a:rPr lang="pt-BR" dirty="0" smtClean="0">
+                <a:solidFill>
+                  <a:schemeClr val="bg1"/>
+                </a:solidFill>
+              </a:rPr>
+              <a:t>US#C001.2</a:t>
+            </a:r>
+            <a:endParaRPr lang="pt-BR" dirty="0">
+              <a:solidFill>
+                <a:schemeClr val="bg1"/>
+              </a:solidFill>
+            </a:endParaRPr>
+          </a:p>
+        </p:txBody>
+      </p:sp>
+      <p:sp>
+        <p:nvSpPr>
+          <p:cNvPr id="24" name="CaixaDeTexto 23"/>
+          <p:cNvSpPr txBox="1"/>
+          <p:nvPr/>
+        </p:nvSpPr>
+        <p:spPr>
+          <a:xfrm>
+            <a:off x="8609746" y="6233874"/>
+            <a:ext cx="1420832" cy="369332"/>
+          </a:xfrm>
+          <a:prstGeom prst="rect">
+            <a:avLst/>
+          </a:prstGeom>
+          <a:solidFill>
+            <a:schemeClr val="tx1"/>
+          </a:solidFill>
+        </p:spPr>
+        <p:txBody>
+          <a:bodyPr wrap="square" rtlCol="0">
+            <a:spAutoFit/>
+          </a:bodyPr>
+          <a:lstStyle/>
+          <a:p>
+            <a:r>
+              <a:rPr lang="pt-BR" dirty="0" smtClean="0">
+                <a:solidFill>
+                  <a:schemeClr val="bg1"/>
+                </a:solidFill>
+              </a:rPr>
+              <a:t>US#C001.3</a:t>
+            </a:r>
+            <a:endParaRPr lang="pt-BR" dirty="0">
+              <a:solidFill>
+                <a:schemeClr val="bg1"/>
+              </a:solidFill>
+            </a:endParaRPr>
+          </a:p>
+        </p:txBody>
+      </p:sp>
     </p:spTree>
     <p:extLst>
       <p:ext uri="{BB962C8B-B14F-4D97-AF65-F5344CB8AC3E}">
